--- a/Pitch_01.pptx
+++ b/Pitch_01.pptx
@@ -2,11 +2,13 @@
 <file path=ppt/presentation.xml><?xml version="1.0" encoding="utf-8"?>
 <p:presentation xmlns:a="http://schemas.openxmlformats.org/drawingml/2006/main" xmlns:r="http://schemas.openxmlformats.org/officeDocument/2006/relationships" xmlns:p="http://schemas.openxmlformats.org/presentationml/2006/main" saveSubsetFonts="1">
   <p:sldMasterIdLst>
-    <p:sldMasterId id="2147483648" r:id="rId1"/>
+    <p:sldMasterId id="2147484041" r:id="rId1"/>
   </p:sldMasterIdLst>
   <p:sldIdLst>
-    <p:sldId id="256" r:id="rId2"/>
-    <p:sldId id="257" r:id="rId3"/>
+    <p:sldId id="258" r:id="rId2"/>
+    <p:sldId id="256" r:id="rId3"/>
+    <p:sldId id="257" r:id="rId4"/>
+    <p:sldId id="259" r:id="rId5"/>
   </p:sldIdLst>
   <p:sldSz cx="12192000" cy="6858000"/>
   <p:notesSz cx="6858000" cy="9144000"/>
@@ -105,6 +107,11 @@
       </a:defRPr>
     </a:lvl9pPr>
   </p:defaultTextStyle>
+  <p:extLst>
+    <p:ext uri="{EFAFB233-063F-42B5-8137-9DF3F51BA10A}">
+      <p15:sldGuideLst xmlns:p15="http://schemas.microsoft.com/office/powerpoint/2012/main"/>
+    </p:ext>
+  </p:extLst>
 </p:presentation>
 </file>
 
@@ -130,7 +137,7 @@
           <p:cNvPr id="2" name="Titre 1">
             <a:extLst>
               <a:ext uri="{FF2B5EF4-FFF2-40B4-BE49-F238E27FC236}">
-                <a16:creationId xmlns:a16="http://schemas.microsoft.com/office/drawing/2014/main" id="{EE63E2D5-3531-4AC5-9CA0-732956A4141D}"/>
+                <a16:creationId xmlns:a16="http://schemas.microsoft.com/office/drawing/2014/main" id="{8FF2A02A-F33D-48EA-A01A-BF4B4F1444A9}"/>
               </a:ext>
             </a:extLst>
           </p:cNvPr>
@@ -167,7 +174,7 @@
           <p:cNvPr id="3" name="Sous-titre 2">
             <a:extLst>
               <a:ext uri="{FF2B5EF4-FFF2-40B4-BE49-F238E27FC236}">
-                <a16:creationId xmlns:a16="http://schemas.microsoft.com/office/drawing/2014/main" id="{EA16FA36-A07D-4D40-9B56-8FBCEB9F3DE7}"/>
+                <a16:creationId xmlns:a16="http://schemas.microsoft.com/office/drawing/2014/main" id="{09CB266E-9E78-4696-92A8-4D9A1EE7DE49}"/>
               </a:ext>
             </a:extLst>
           </p:cNvPr>
@@ -237,7 +244,7 @@
           <p:cNvPr id="4" name="Espace réservé de la date 3">
             <a:extLst>
               <a:ext uri="{FF2B5EF4-FFF2-40B4-BE49-F238E27FC236}">
-                <a16:creationId xmlns:a16="http://schemas.microsoft.com/office/drawing/2014/main" id="{C400E253-CBC5-48D8-AE7D-C4C5D197515A}"/>
+                <a16:creationId xmlns:a16="http://schemas.microsoft.com/office/drawing/2014/main" id="{25E13E31-F81C-4207-89D1-7BE52A73CB43}"/>
               </a:ext>
             </a:extLst>
           </p:cNvPr>
@@ -255,7 +262,7 @@
           <a:p>
             <a:fld id="{38E7D7AE-69BE-402E-A2CE-40E353EE5558}" type="datetimeFigureOut">
               <a:rPr lang="fr-FR" smtClean="0"/>
-              <a:t>13/01/2021</a:t>
+              <a:t>15/01/2021</a:t>
             </a:fld>
             <a:endParaRPr lang="fr-FR"/>
           </a:p>
@@ -266,7 +273,7 @@
           <p:cNvPr id="5" name="Espace réservé du pied de page 4">
             <a:extLst>
               <a:ext uri="{FF2B5EF4-FFF2-40B4-BE49-F238E27FC236}">
-                <a16:creationId xmlns:a16="http://schemas.microsoft.com/office/drawing/2014/main" id="{6309BF6E-81A2-4EAB-AA9B-BF3189B6ADD4}"/>
+                <a16:creationId xmlns:a16="http://schemas.microsoft.com/office/drawing/2014/main" id="{4A5FD5DE-2FBC-40CA-9F2D-423BF7A7018B}"/>
               </a:ext>
             </a:extLst>
           </p:cNvPr>
@@ -291,7 +298,7 @@
           <p:cNvPr id="6" name="Espace réservé du numéro de diapositive 5">
             <a:extLst>
               <a:ext uri="{FF2B5EF4-FFF2-40B4-BE49-F238E27FC236}">
-                <a16:creationId xmlns:a16="http://schemas.microsoft.com/office/drawing/2014/main" id="{E9E02E5D-EAC0-4418-A8F2-702BC2A273F0}"/>
+                <a16:creationId xmlns:a16="http://schemas.microsoft.com/office/drawing/2014/main" id="{21781333-437F-41E2-ABBC-7689742935C7}"/>
               </a:ext>
             </a:extLst>
           </p:cNvPr>
@@ -318,7 +325,7 @@
     </p:spTree>
     <p:extLst>
       <p:ext uri="{BB962C8B-B14F-4D97-AF65-F5344CB8AC3E}">
-        <p14:creationId xmlns:p14="http://schemas.microsoft.com/office/powerpoint/2010/main" val="2414679839"/>
+        <p14:creationId xmlns:p14="http://schemas.microsoft.com/office/powerpoint/2010/main" val="1328433728"/>
       </p:ext>
     </p:extLst>
   </p:cSld>
@@ -350,7 +357,7 @@
           <p:cNvPr id="2" name="Titre 1">
             <a:extLst>
               <a:ext uri="{FF2B5EF4-FFF2-40B4-BE49-F238E27FC236}">
-                <a16:creationId xmlns:a16="http://schemas.microsoft.com/office/drawing/2014/main" id="{C7AFDC0A-2BA0-41FE-A4C1-F52C58D88505}"/>
+                <a16:creationId xmlns:a16="http://schemas.microsoft.com/office/drawing/2014/main" id="{5927EA44-2350-4CD3-A79F-6395BED744BA}"/>
               </a:ext>
             </a:extLst>
           </p:cNvPr>
@@ -378,7 +385,7 @@
           <p:cNvPr id="3" name="Espace réservé du texte vertical 2">
             <a:extLst>
               <a:ext uri="{FF2B5EF4-FFF2-40B4-BE49-F238E27FC236}">
-                <a16:creationId xmlns:a16="http://schemas.microsoft.com/office/drawing/2014/main" id="{8C32FF2D-2333-44F1-8E1F-AB393A81270A}"/>
+                <a16:creationId xmlns:a16="http://schemas.microsoft.com/office/drawing/2014/main" id="{5A3943FF-0723-4A22-A6C7-A5886D6F4EB2}"/>
               </a:ext>
             </a:extLst>
           </p:cNvPr>
@@ -435,7 +442,7 @@
           <p:cNvPr id="4" name="Espace réservé de la date 3">
             <a:extLst>
               <a:ext uri="{FF2B5EF4-FFF2-40B4-BE49-F238E27FC236}">
-                <a16:creationId xmlns:a16="http://schemas.microsoft.com/office/drawing/2014/main" id="{E00C1098-5C59-466E-8B99-1A7EC8D4419E}"/>
+                <a16:creationId xmlns:a16="http://schemas.microsoft.com/office/drawing/2014/main" id="{6DBC9B52-6A36-4199-9D2E-99D3C4A030A7}"/>
               </a:ext>
             </a:extLst>
           </p:cNvPr>
@@ -453,7 +460,7 @@
           <a:p>
             <a:fld id="{38E7D7AE-69BE-402E-A2CE-40E353EE5558}" type="datetimeFigureOut">
               <a:rPr lang="fr-FR" smtClean="0"/>
-              <a:t>13/01/2021</a:t>
+              <a:t>15/01/2021</a:t>
             </a:fld>
             <a:endParaRPr lang="fr-FR"/>
           </a:p>
@@ -464,7 +471,7 @@
           <p:cNvPr id="5" name="Espace réservé du pied de page 4">
             <a:extLst>
               <a:ext uri="{FF2B5EF4-FFF2-40B4-BE49-F238E27FC236}">
-                <a16:creationId xmlns:a16="http://schemas.microsoft.com/office/drawing/2014/main" id="{8A9E531D-F6BC-4AF5-807C-C1DACF0153A9}"/>
+                <a16:creationId xmlns:a16="http://schemas.microsoft.com/office/drawing/2014/main" id="{0415EAAC-EFEA-4C85-BF2B-EF390F36FC98}"/>
               </a:ext>
             </a:extLst>
           </p:cNvPr>
@@ -489,7 +496,7 @@
           <p:cNvPr id="6" name="Espace réservé du numéro de diapositive 5">
             <a:extLst>
               <a:ext uri="{FF2B5EF4-FFF2-40B4-BE49-F238E27FC236}">
-                <a16:creationId xmlns:a16="http://schemas.microsoft.com/office/drawing/2014/main" id="{AD05ECB4-0460-473E-8E2D-F45FD6FEE7A1}"/>
+                <a16:creationId xmlns:a16="http://schemas.microsoft.com/office/drawing/2014/main" id="{F025C168-DE72-452B-A44E-80E89B24161D}"/>
               </a:ext>
             </a:extLst>
           </p:cNvPr>
@@ -516,7 +523,7 @@
     </p:spTree>
     <p:extLst>
       <p:ext uri="{BB962C8B-B14F-4D97-AF65-F5344CB8AC3E}">
-        <p14:creationId xmlns:p14="http://schemas.microsoft.com/office/powerpoint/2010/main" val="3355522076"/>
+        <p14:creationId xmlns:p14="http://schemas.microsoft.com/office/powerpoint/2010/main" val="3556642488"/>
       </p:ext>
     </p:extLst>
   </p:cSld>
@@ -548,7 +555,7 @@
           <p:cNvPr id="2" name="Titre vertical 1">
             <a:extLst>
               <a:ext uri="{FF2B5EF4-FFF2-40B4-BE49-F238E27FC236}">
-                <a16:creationId xmlns:a16="http://schemas.microsoft.com/office/drawing/2014/main" id="{39E6BB36-F902-40C9-AD7C-6DC0FF3F575C}"/>
+                <a16:creationId xmlns:a16="http://schemas.microsoft.com/office/drawing/2014/main" id="{6853232F-A282-48AE-8989-9D0731320B9D}"/>
               </a:ext>
             </a:extLst>
           </p:cNvPr>
@@ -581,7 +588,7 @@
           <p:cNvPr id="3" name="Espace réservé du texte vertical 2">
             <a:extLst>
               <a:ext uri="{FF2B5EF4-FFF2-40B4-BE49-F238E27FC236}">
-                <a16:creationId xmlns:a16="http://schemas.microsoft.com/office/drawing/2014/main" id="{D574F704-7CB0-45E1-8C8C-F5BC53AA8736}"/>
+                <a16:creationId xmlns:a16="http://schemas.microsoft.com/office/drawing/2014/main" id="{B609F261-803B-4BCB-A9B4-2468E638F619}"/>
               </a:ext>
             </a:extLst>
           </p:cNvPr>
@@ -643,7 +650,7 @@
           <p:cNvPr id="4" name="Espace réservé de la date 3">
             <a:extLst>
               <a:ext uri="{FF2B5EF4-FFF2-40B4-BE49-F238E27FC236}">
-                <a16:creationId xmlns:a16="http://schemas.microsoft.com/office/drawing/2014/main" id="{4E2ADB48-F86C-4DFD-B860-FC94EFB72D1F}"/>
+                <a16:creationId xmlns:a16="http://schemas.microsoft.com/office/drawing/2014/main" id="{B92590D0-835C-40FD-9627-7DFE2651321D}"/>
               </a:ext>
             </a:extLst>
           </p:cNvPr>
@@ -661,7 +668,7 @@
           <a:p>
             <a:fld id="{38E7D7AE-69BE-402E-A2CE-40E353EE5558}" type="datetimeFigureOut">
               <a:rPr lang="fr-FR" smtClean="0"/>
-              <a:t>13/01/2021</a:t>
+              <a:t>15/01/2021</a:t>
             </a:fld>
             <a:endParaRPr lang="fr-FR"/>
           </a:p>
@@ -672,7 +679,7 @@
           <p:cNvPr id="5" name="Espace réservé du pied de page 4">
             <a:extLst>
               <a:ext uri="{FF2B5EF4-FFF2-40B4-BE49-F238E27FC236}">
-                <a16:creationId xmlns:a16="http://schemas.microsoft.com/office/drawing/2014/main" id="{4676E4FB-EB03-4215-AED4-8BE123AC1F1B}"/>
+                <a16:creationId xmlns:a16="http://schemas.microsoft.com/office/drawing/2014/main" id="{B6B33278-3540-4D85-85E6-BB56871A7763}"/>
               </a:ext>
             </a:extLst>
           </p:cNvPr>
@@ -697,7 +704,7 @@
           <p:cNvPr id="6" name="Espace réservé du numéro de diapositive 5">
             <a:extLst>
               <a:ext uri="{FF2B5EF4-FFF2-40B4-BE49-F238E27FC236}">
-                <a16:creationId xmlns:a16="http://schemas.microsoft.com/office/drawing/2014/main" id="{8C71E734-893A-40DC-8762-535E7C48E242}"/>
+                <a16:creationId xmlns:a16="http://schemas.microsoft.com/office/drawing/2014/main" id="{4767CF7B-4E0C-47F2-913F-7DCD749050CE}"/>
               </a:ext>
             </a:extLst>
           </p:cNvPr>
@@ -724,7 +731,7 @@
     </p:spTree>
     <p:extLst>
       <p:ext uri="{BB962C8B-B14F-4D97-AF65-F5344CB8AC3E}">
-        <p14:creationId xmlns:p14="http://schemas.microsoft.com/office/powerpoint/2010/main" val="4027129627"/>
+        <p14:creationId xmlns:p14="http://schemas.microsoft.com/office/powerpoint/2010/main" val="3785045920"/>
       </p:ext>
     </p:extLst>
   </p:cSld>
@@ -756,7 +763,7 @@
           <p:cNvPr id="2" name="Titre 1">
             <a:extLst>
               <a:ext uri="{FF2B5EF4-FFF2-40B4-BE49-F238E27FC236}">
-                <a16:creationId xmlns:a16="http://schemas.microsoft.com/office/drawing/2014/main" id="{3894CE55-FA23-4EDB-82E0-262547715D52}"/>
+                <a16:creationId xmlns:a16="http://schemas.microsoft.com/office/drawing/2014/main" id="{53C26B52-DF43-4257-9CB8-6063E8CBD8FF}"/>
               </a:ext>
             </a:extLst>
           </p:cNvPr>
@@ -784,7 +791,7 @@
           <p:cNvPr id="3" name="Espace réservé du contenu 2">
             <a:extLst>
               <a:ext uri="{FF2B5EF4-FFF2-40B4-BE49-F238E27FC236}">
-                <a16:creationId xmlns:a16="http://schemas.microsoft.com/office/drawing/2014/main" id="{B15F37E8-1C7A-411F-AC9D-1586E667DF44}"/>
+                <a16:creationId xmlns:a16="http://schemas.microsoft.com/office/drawing/2014/main" id="{D1F19A74-D7CC-40D8-A5E9-69E8828E5250}"/>
               </a:ext>
             </a:extLst>
           </p:cNvPr>
@@ -841,7 +848,7 @@
           <p:cNvPr id="4" name="Espace réservé de la date 3">
             <a:extLst>
               <a:ext uri="{FF2B5EF4-FFF2-40B4-BE49-F238E27FC236}">
-                <a16:creationId xmlns:a16="http://schemas.microsoft.com/office/drawing/2014/main" id="{D1D8C892-1A50-42B0-8E63-5F23E22FF743}"/>
+                <a16:creationId xmlns:a16="http://schemas.microsoft.com/office/drawing/2014/main" id="{D76572FE-36B9-48F0-AD03-E64EA6208B77}"/>
               </a:ext>
             </a:extLst>
           </p:cNvPr>
@@ -859,7 +866,7 @@
           <a:p>
             <a:fld id="{38E7D7AE-69BE-402E-A2CE-40E353EE5558}" type="datetimeFigureOut">
               <a:rPr lang="fr-FR" smtClean="0"/>
-              <a:t>13/01/2021</a:t>
+              <a:t>15/01/2021</a:t>
             </a:fld>
             <a:endParaRPr lang="fr-FR"/>
           </a:p>
@@ -870,7 +877,7 @@
           <p:cNvPr id="5" name="Espace réservé du pied de page 4">
             <a:extLst>
               <a:ext uri="{FF2B5EF4-FFF2-40B4-BE49-F238E27FC236}">
-                <a16:creationId xmlns:a16="http://schemas.microsoft.com/office/drawing/2014/main" id="{5A97AA15-883C-4237-8C7D-7E457020DDAE}"/>
+                <a16:creationId xmlns:a16="http://schemas.microsoft.com/office/drawing/2014/main" id="{83568DC7-A762-4479-864C-D3FADAC747DA}"/>
               </a:ext>
             </a:extLst>
           </p:cNvPr>
@@ -895,7 +902,7 @@
           <p:cNvPr id="6" name="Espace réservé du numéro de diapositive 5">
             <a:extLst>
               <a:ext uri="{FF2B5EF4-FFF2-40B4-BE49-F238E27FC236}">
-                <a16:creationId xmlns:a16="http://schemas.microsoft.com/office/drawing/2014/main" id="{438DFA2E-4E89-4C04-BFA6-D66CB434A785}"/>
+                <a16:creationId xmlns:a16="http://schemas.microsoft.com/office/drawing/2014/main" id="{14C8F8BB-FE4F-4C11-97EA-B4C1C1545D68}"/>
               </a:ext>
             </a:extLst>
           </p:cNvPr>
@@ -922,7 +929,7 @@
     </p:spTree>
     <p:extLst>
       <p:ext uri="{BB962C8B-B14F-4D97-AF65-F5344CB8AC3E}">
-        <p14:creationId xmlns:p14="http://schemas.microsoft.com/office/powerpoint/2010/main" val="517440739"/>
+        <p14:creationId xmlns:p14="http://schemas.microsoft.com/office/powerpoint/2010/main" val="789797372"/>
       </p:ext>
     </p:extLst>
   </p:cSld>
@@ -954,7 +961,7 @@
           <p:cNvPr id="2" name="Titre 1">
             <a:extLst>
               <a:ext uri="{FF2B5EF4-FFF2-40B4-BE49-F238E27FC236}">
-                <a16:creationId xmlns:a16="http://schemas.microsoft.com/office/drawing/2014/main" id="{12BF551D-FFE5-4D6C-8E54-058F46555553}"/>
+                <a16:creationId xmlns:a16="http://schemas.microsoft.com/office/drawing/2014/main" id="{8F0AA464-17E5-4F5F-B2F6-B1EA6C0EE2F4}"/>
               </a:ext>
             </a:extLst>
           </p:cNvPr>
@@ -991,7 +998,7 @@
           <p:cNvPr id="3" name="Espace réservé du texte 2">
             <a:extLst>
               <a:ext uri="{FF2B5EF4-FFF2-40B4-BE49-F238E27FC236}">
-                <a16:creationId xmlns:a16="http://schemas.microsoft.com/office/drawing/2014/main" id="{D8440992-40BC-4A55-8FB6-305346F9D590}"/>
+                <a16:creationId xmlns:a16="http://schemas.microsoft.com/office/drawing/2014/main" id="{FBEC0340-5BFE-4362-B1BB-3711F0715196}"/>
               </a:ext>
             </a:extLst>
           </p:cNvPr>
@@ -1116,7 +1123,7 @@
           <p:cNvPr id="4" name="Espace réservé de la date 3">
             <a:extLst>
               <a:ext uri="{FF2B5EF4-FFF2-40B4-BE49-F238E27FC236}">
-                <a16:creationId xmlns:a16="http://schemas.microsoft.com/office/drawing/2014/main" id="{4D41F625-90F4-4DA3-82FB-1BAAE0F66ECF}"/>
+                <a16:creationId xmlns:a16="http://schemas.microsoft.com/office/drawing/2014/main" id="{04CE478C-3477-4C93-B238-F36DF98812E9}"/>
               </a:ext>
             </a:extLst>
           </p:cNvPr>
@@ -1134,7 +1141,7 @@
           <a:p>
             <a:fld id="{38E7D7AE-69BE-402E-A2CE-40E353EE5558}" type="datetimeFigureOut">
               <a:rPr lang="fr-FR" smtClean="0"/>
-              <a:t>13/01/2021</a:t>
+              <a:t>15/01/2021</a:t>
             </a:fld>
             <a:endParaRPr lang="fr-FR"/>
           </a:p>
@@ -1145,7 +1152,7 @@
           <p:cNvPr id="5" name="Espace réservé du pied de page 4">
             <a:extLst>
               <a:ext uri="{FF2B5EF4-FFF2-40B4-BE49-F238E27FC236}">
-                <a16:creationId xmlns:a16="http://schemas.microsoft.com/office/drawing/2014/main" id="{4F01BBFF-FE72-4C4B-AED8-558CD0415AD0}"/>
+                <a16:creationId xmlns:a16="http://schemas.microsoft.com/office/drawing/2014/main" id="{45483F86-7506-4376-9ED6-5F783C3D2C99}"/>
               </a:ext>
             </a:extLst>
           </p:cNvPr>
@@ -1170,7 +1177,7 @@
           <p:cNvPr id="6" name="Espace réservé du numéro de diapositive 5">
             <a:extLst>
               <a:ext uri="{FF2B5EF4-FFF2-40B4-BE49-F238E27FC236}">
-                <a16:creationId xmlns:a16="http://schemas.microsoft.com/office/drawing/2014/main" id="{FA8DF4AD-EB4C-4FCD-86BA-761E148E15B3}"/>
+                <a16:creationId xmlns:a16="http://schemas.microsoft.com/office/drawing/2014/main" id="{7E12614A-9A04-42CC-99B7-25D49A7E30CD}"/>
               </a:ext>
             </a:extLst>
           </p:cNvPr>
@@ -1197,7 +1204,7 @@
     </p:spTree>
     <p:extLst>
       <p:ext uri="{BB962C8B-B14F-4D97-AF65-F5344CB8AC3E}">
-        <p14:creationId xmlns:p14="http://schemas.microsoft.com/office/powerpoint/2010/main" val="1227561367"/>
+        <p14:creationId xmlns:p14="http://schemas.microsoft.com/office/powerpoint/2010/main" val="1207583127"/>
       </p:ext>
     </p:extLst>
   </p:cSld>
@@ -1229,7 +1236,7 @@
           <p:cNvPr id="2" name="Titre 1">
             <a:extLst>
               <a:ext uri="{FF2B5EF4-FFF2-40B4-BE49-F238E27FC236}">
-                <a16:creationId xmlns:a16="http://schemas.microsoft.com/office/drawing/2014/main" id="{C8EFBA66-F3EE-4B4C-BF68-B07B6C44EF99}"/>
+                <a16:creationId xmlns:a16="http://schemas.microsoft.com/office/drawing/2014/main" id="{BFDCAAD0-6A09-4933-AF68-D178AC9BD2FE}"/>
               </a:ext>
             </a:extLst>
           </p:cNvPr>
@@ -1257,7 +1264,7 @@
           <p:cNvPr id="3" name="Espace réservé du contenu 2">
             <a:extLst>
               <a:ext uri="{FF2B5EF4-FFF2-40B4-BE49-F238E27FC236}">
-                <a16:creationId xmlns:a16="http://schemas.microsoft.com/office/drawing/2014/main" id="{34F2C692-774A-46D5-827F-FFD378772C6B}"/>
+                <a16:creationId xmlns:a16="http://schemas.microsoft.com/office/drawing/2014/main" id="{1AFD99BA-AE1F-4E43-B9A7-787346928F6E}"/>
               </a:ext>
             </a:extLst>
           </p:cNvPr>
@@ -1319,7 +1326,7 @@
           <p:cNvPr id="4" name="Espace réservé du contenu 3">
             <a:extLst>
               <a:ext uri="{FF2B5EF4-FFF2-40B4-BE49-F238E27FC236}">
-                <a16:creationId xmlns:a16="http://schemas.microsoft.com/office/drawing/2014/main" id="{FF2B6177-DA0E-42DD-B3B4-6EDE194BDAA7}"/>
+                <a16:creationId xmlns:a16="http://schemas.microsoft.com/office/drawing/2014/main" id="{2CE0965D-81CF-403F-8C7C-201B8440438E}"/>
               </a:ext>
             </a:extLst>
           </p:cNvPr>
@@ -1381,7 +1388,7 @@
           <p:cNvPr id="5" name="Espace réservé de la date 4">
             <a:extLst>
               <a:ext uri="{FF2B5EF4-FFF2-40B4-BE49-F238E27FC236}">
-                <a16:creationId xmlns:a16="http://schemas.microsoft.com/office/drawing/2014/main" id="{0DAE2660-9B8C-4483-81D0-6B040A55A45D}"/>
+                <a16:creationId xmlns:a16="http://schemas.microsoft.com/office/drawing/2014/main" id="{A09E0EA6-BF4C-4ECC-B155-5BD934B48645}"/>
               </a:ext>
             </a:extLst>
           </p:cNvPr>
@@ -1399,7 +1406,7 @@
           <a:p>
             <a:fld id="{38E7D7AE-69BE-402E-A2CE-40E353EE5558}" type="datetimeFigureOut">
               <a:rPr lang="fr-FR" smtClean="0"/>
-              <a:t>13/01/2021</a:t>
+              <a:t>15/01/2021</a:t>
             </a:fld>
             <a:endParaRPr lang="fr-FR"/>
           </a:p>
@@ -1410,7 +1417,7 @@
           <p:cNvPr id="6" name="Espace réservé du pied de page 5">
             <a:extLst>
               <a:ext uri="{FF2B5EF4-FFF2-40B4-BE49-F238E27FC236}">
-                <a16:creationId xmlns:a16="http://schemas.microsoft.com/office/drawing/2014/main" id="{3127B4C5-0122-4B0A-B9D4-82B29DC7F828}"/>
+                <a16:creationId xmlns:a16="http://schemas.microsoft.com/office/drawing/2014/main" id="{8B76DA8C-506C-406B-97E5-F2287D7A47CF}"/>
               </a:ext>
             </a:extLst>
           </p:cNvPr>
@@ -1435,7 +1442,7 @@
           <p:cNvPr id="7" name="Espace réservé du numéro de diapositive 6">
             <a:extLst>
               <a:ext uri="{FF2B5EF4-FFF2-40B4-BE49-F238E27FC236}">
-                <a16:creationId xmlns:a16="http://schemas.microsoft.com/office/drawing/2014/main" id="{F16A6DAA-1F8E-415B-8713-50EEA3A5129B}"/>
+                <a16:creationId xmlns:a16="http://schemas.microsoft.com/office/drawing/2014/main" id="{2CFCB498-FB36-4D8F-A987-260EBEC4120F}"/>
               </a:ext>
             </a:extLst>
           </p:cNvPr>
@@ -1462,7 +1469,7 @@
     </p:spTree>
     <p:extLst>
       <p:ext uri="{BB962C8B-B14F-4D97-AF65-F5344CB8AC3E}">
-        <p14:creationId xmlns:p14="http://schemas.microsoft.com/office/powerpoint/2010/main" val="2064147662"/>
+        <p14:creationId xmlns:p14="http://schemas.microsoft.com/office/powerpoint/2010/main" val="4208181587"/>
       </p:ext>
     </p:extLst>
   </p:cSld>
@@ -1494,7 +1501,7 @@
           <p:cNvPr id="2" name="Titre 1">
             <a:extLst>
               <a:ext uri="{FF2B5EF4-FFF2-40B4-BE49-F238E27FC236}">
-                <a16:creationId xmlns:a16="http://schemas.microsoft.com/office/drawing/2014/main" id="{6F283D6A-4F58-49C6-9337-A7141706910E}"/>
+                <a16:creationId xmlns:a16="http://schemas.microsoft.com/office/drawing/2014/main" id="{78B00B18-3C75-4466-AFE3-E5308928D35A}"/>
               </a:ext>
             </a:extLst>
           </p:cNvPr>
@@ -1527,7 +1534,7 @@
           <p:cNvPr id="3" name="Espace réservé du texte 2">
             <a:extLst>
               <a:ext uri="{FF2B5EF4-FFF2-40B4-BE49-F238E27FC236}">
-                <a16:creationId xmlns:a16="http://schemas.microsoft.com/office/drawing/2014/main" id="{DE4E774C-830C-424B-B069-80A7E6595BDA}"/>
+                <a16:creationId xmlns:a16="http://schemas.microsoft.com/office/drawing/2014/main" id="{F7B915F7-98DC-48E9-877A-1F665FD023A4}"/>
               </a:ext>
             </a:extLst>
           </p:cNvPr>
@@ -1598,7 +1605,7 @@
           <p:cNvPr id="4" name="Espace réservé du contenu 3">
             <a:extLst>
               <a:ext uri="{FF2B5EF4-FFF2-40B4-BE49-F238E27FC236}">
-                <a16:creationId xmlns:a16="http://schemas.microsoft.com/office/drawing/2014/main" id="{E2AE6855-9501-4230-B01F-B50D89E35325}"/>
+                <a16:creationId xmlns:a16="http://schemas.microsoft.com/office/drawing/2014/main" id="{743CE8E7-5D74-4FC6-A3D8-B3E0D6F84C50}"/>
               </a:ext>
             </a:extLst>
           </p:cNvPr>
@@ -1660,7 +1667,7 @@
           <p:cNvPr id="5" name="Espace réservé du texte 4">
             <a:extLst>
               <a:ext uri="{FF2B5EF4-FFF2-40B4-BE49-F238E27FC236}">
-                <a16:creationId xmlns:a16="http://schemas.microsoft.com/office/drawing/2014/main" id="{9A229BFA-66A4-4164-BA52-4FC4D395591D}"/>
+                <a16:creationId xmlns:a16="http://schemas.microsoft.com/office/drawing/2014/main" id="{90B5D761-48FB-4942-AB24-A210817BD25A}"/>
               </a:ext>
             </a:extLst>
           </p:cNvPr>
@@ -1731,7 +1738,7 @@
           <p:cNvPr id="6" name="Espace réservé du contenu 5">
             <a:extLst>
               <a:ext uri="{FF2B5EF4-FFF2-40B4-BE49-F238E27FC236}">
-                <a16:creationId xmlns:a16="http://schemas.microsoft.com/office/drawing/2014/main" id="{1EAF3309-05E0-4C44-9D80-5953ACBF65AC}"/>
+                <a16:creationId xmlns:a16="http://schemas.microsoft.com/office/drawing/2014/main" id="{6B50DFD6-8CD1-4A8F-BDCD-903FAAD4E40C}"/>
               </a:ext>
             </a:extLst>
           </p:cNvPr>
@@ -1793,7 +1800,7 @@
           <p:cNvPr id="7" name="Espace réservé de la date 6">
             <a:extLst>
               <a:ext uri="{FF2B5EF4-FFF2-40B4-BE49-F238E27FC236}">
-                <a16:creationId xmlns:a16="http://schemas.microsoft.com/office/drawing/2014/main" id="{F70A71A9-895C-431C-935F-807C9029BB80}"/>
+                <a16:creationId xmlns:a16="http://schemas.microsoft.com/office/drawing/2014/main" id="{2AFEE9E7-5290-496A-8F1A-9BFF3F99F7C5}"/>
               </a:ext>
             </a:extLst>
           </p:cNvPr>
@@ -1811,7 +1818,7 @@
           <a:p>
             <a:fld id="{38E7D7AE-69BE-402E-A2CE-40E353EE5558}" type="datetimeFigureOut">
               <a:rPr lang="fr-FR" smtClean="0"/>
-              <a:t>13/01/2021</a:t>
+              <a:t>15/01/2021</a:t>
             </a:fld>
             <a:endParaRPr lang="fr-FR"/>
           </a:p>
@@ -1822,7 +1829,7 @@
           <p:cNvPr id="8" name="Espace réservé du pied de page 7">
             <a:extLst>
               <a:ext uri="{FF2B5EF4-FFF2-40B4-BE49-F238E27FC236}">
-                <a16:creationId xmlns:a16="http://schemas.microsoft.com/office/drawing/2014/main" id="{4D704E2A-DBFC-4620-AFA5-9889672E256C}"/>
+                <a16:creationId xmlns:a16="http://schemas.microsoft.com/office/drawing/2014/main" id="{3E2042C4-7E89-4D49-9D21-F6951C0CEEAE}"/>
               </a:ext>
             </a:extLst>
           </p:cNvPr>
@@ -1847,7 +1854,7 @@
           <p:cNvPr id="9" name="Espace réservé du numéro de diapositive 8">
             <a:extLst>
               <a:ext uri="{FF2B5EF4-FFF2-40B4-BE49-F238E27FC236}">
-                <a16:creationId xmlns:a16="http://schemas.microsoft.com/office/drawing/2014/main" id="{BBFFCEF1-6E47-450E-AD1C-DEB9BFC6FF67}"/>
+                <a16:creationId xmlns:a16="http://schemas.microsoft.com/office/drawing/2014/main" id="{C8769317-7463-452C-87F2-4D8A36F5136B}"/>
               </a:ext>
             </a:extLst>
           </p:cNvPr>
@@ -1874,7 +1881,7 @@
     </p:spTree>
     <p:extLst>
       <p:ext uri="{BB962C8B-B14F-4D97-AF65-F5344CB8AC3E}">
-        <p14:creationId xmlns:p14="http://schemas.microsoft.com/office/powerpoint/2010/main" val="485503027"/>
+        <p14:creationId xmlns:p14="http://schemas.microsoft.com/office/powerpoint/2010/main" val="1628071985"/>
       </p:ext>
     </p:extLst>
   </p:cSld>
@@ -1906,7 +1913,7 @@
           <p:cNvPr id="2" name="Titre 1">
             <a:extLst>
               <a:ext uri="{FF2B5EF4-FFF2-40B4-BE49-F238E27FC236}">
-                <a16:creationId xmlns:a16="http://schemas.microsoft.com/office/drawing/2014/main" id="{2DA86D5F-DCEA-4BBD-BE3A-BEE8E22ED265}"/>
+                <a16:creationId xmlns:a16="http://schemas.microsoft.com/office/drawing/2014/main" id="{F9D189C1-6035-49AB-8ED6-489706917B38}"/>
               </a:ext>
             </a:extLst>
           </p:cNvPr>
@@ -1934,7 +1941,7 @@
           <p:cNvPr id="3" name="Espace réservé de la date 2">
             <a:extLst>
               <a:ext uri="{FF2B5EF4-FFF2-40B4-BE49-F238E27FC236}">
-                <a16:creationId xmlns:a16="http://schemas.microsoft.com/office/drawing/2014/main" id="{AAE17A6E-7354-4DEB-9C70-EE24D4834CB5}"/>
+                <a16:creationId xmlns:a16="http://schemas.microsoft.com/office/drawing/2014/main" id="{D1101561-DE5F-4D9A-A998-89F3B626A767}"/>
               </a:ext>
             </a:extLst>
           </p:cNvPr>
@@ -1952,7 +1959,7 @@
           <a:p>
             <a:fld id="{38E7D7AE-69BE-402E-A2CE-40E353EE5558}" type="datetimeFigureOut">
               <a:rPr lang="fr-FR" smtClean="0"/>
-              <a:t>13/01/2021</a:t>
+              <a:t>15/01/2021</a:t>
             </a:fld>
             <a:endParaRPr lang="fr-FR"/>
           </a:p>
@@ -1963,7 +1970,7 @@
           <p:cNvPr id="4" name="Espace réservé du pied de page 3">
             <a:extLst>
               <a:ext uri="{FF2B5EF4-FFF2-40B4-BE49-F238E27FC236}">
-                <a16:creationId xmlns:a16="http://schemas.microsoft.com/office/drawing/2014/main" id="{D5CBD13C-25C0-4904-8A16-119A57739A56}"/>
+                <a16:creationId xmlns:a16="http://schemas.microsoft.com/office/drawing/2014/main" id="{95A6D133-C90F-40BB-BAF4-98B25B076761}"/>
               </a:ext>
             </a:extLst>
           </p:cNvPr>
@@ -1988,7 +1995,7 @@
           <p:cNvPr id="5" name="Espace réservé du numéro de diapositive 4">
             <a:extLst>
               <a:ext uri="{FF2B5EF4-FFF2-40B4-BE49-F238E27FC236}">
-                <a16:creationId xmlns:a16="http://schemas.microsoft.com/office/drawing/2014/main" id="{D32D3B4D-28AB-41C4-96F3-8AB7C9B529C9}"/>
+                <a16:creationId xmlns:a16="http://schemas.microsoft.com/office/drawing/2014/main" id="{C01F7C49-A8EA-41A6-A872-828D444AAD82}"/>
               </a:ext>
             </a:extLst>
           </p:cNvPr>
@@ -2015,7 +2022,7 @@
     </p:spTree>
     <p:extLst>
       <p:ext uri="{BB962C8B-B14F-4D97-AF65-F5344CB8AC3E}">
-        <p14:creationId xmlns:p14="http://schemas.microsoft.com/office/powerpoint/2010/main" val="2566010946"/>
+        <p14:creationId xmlns:p14="http://schemas.microsoft.com/office/powerpoint/2010/main" val="3755137"/>
       </p:ext>
     </p:extLst>
   </p:cSld>
@@ -2047,7 +2054,7 @@
           <p:cNvPr id="2" name="Espace réservé de la date 1">
             <a:extLst>
               <a:ext uri="{FF2B5EF4-FFF2-40B4-BE49-F238E27FC236}">
-                <a16:creationId xmlns:a16="http://schemas.microsoft.com/office/drawing/2014/main" id="{400379BA-1165-4D34-8E60-0124A4242328}"/>
+                <a16:creationId xmlns:a16="http://schemas.microsoft.com/office/drawing/2014/main" id="{BAD16128-2B11-4467-AB6D-8A57E3DAC908}"/>
               </a:ext>
             </a:extLst>
           </p:cNvPr>
@@ -2065,7 +2072,7 @@
           <a:p>
             <a:fld id="{38E7D7AE-69BE-402E-A2CE-40E353EE5558}" type="datetimeFigureOut">
               <a:rPr lang="fr-FR" smtClean="0"/>
-              <a:t>13/01/2021</a:t>
+              <a:t>15/01/2021</a:t>
             </a:fld>
             <a:endParaRPr lang="fr-FR"/>
           </a:p>
@@ -2076,7 +2083,7 @@
           <p:cNvPr id="3" name="Espace réservé du pied de page 2">
             <a:extLst>
               <a:ext uri="{FF2B5EF4-FFF2-40B4-BE49-F238E27FC236}">
-                <a16:creationId xmlns:a16="http://schemas.microsoft.com/office/drawing/2014/main" id="{9797F0C1-B08D-49F8-A67E-DBB94AE629CC}"/>
+                <a16:creationId xmlns:a16="http://schemas.microsoft.com/office/drawing/2014/main" id="{5531355D-EA3C-4B3E-80C4-818612F28C4C}"/>
               </a:ext>
             </a:extLst>
           </p:cNvPr>
@@ -2101,7 +2108,7 @@
           <p:cNvPr id="4" name="Espace réservé du numéro de diapositive 3">
             <a:extLst>
               <a:ext uri="{FF2B5EF4-FFF2-40B4-BE49-F238E27FC236}">
-                <a16:creationId xmlns:a16="http://schemas.microsoft.com/office/drawing/2014/main" id="{F883F758-F444-4F6B-8285-339B326349A7}"/>
+                <a16:creationId xmlns:a16="http://schemas.microsoft.com/office/drawing/2014/main" id="{26A9FDF8-242B-4F8B-BCBA-E3F84EEC9DFF}"/>
               </a:ext>
             </a:extLst>
           </p:cNvPr>
@@ -2128,7 +2135,7 @@
     </p:spTree>
     <p:extLst>
       <p:ext uri="{BB962C8B-B14F-4D97-AF65-F5344CB8AC3E}">
-        <p14:creationId xmlns:p14="http://schemas.microsoft.com/office/powerpoint/2010/main" val="2051278086"/>
+        <p14:creationId xmlns:p14="http://schemas.microsoft.com/office/powerpoint/2010/main" val="1209901808"/>
       </p:ext>
     </p:extLst>
   </p:cSld>
@@ -2160,7 +2167,7 @@
           <p:cNvPr id="2" name="Titre 1">
             <a:extLst>
               <a:ext uri="{FF2B5EF4-FFF2-40B4-BE49-F238E27FC236}">
-                <a16:creationId xmlns:a16="http://schemas.microsoft.com/office/drawing/2014/main" id="{DA6BFE66-87B8-4BD7-8B86-DD80D3B38883}"/>
+                <a16:creationId xmlns:a16="http://schemas.microsoft.com/office/drawing/2014/main" id="{04999488-6601-487E-A7A7-256603DFBC62}"/>
               </a:ext>
             </a:extLst>
           </p:cNvPr>
@@ -2197,7 +2204,7 @@
           <p:cNvPr id="3" name="Espace réservé du contenu 2">
             <a:extLst>
               <a:ext uri="{FF2B5EF4-FFF2-40B4-BE49-F238E27FC236}">
-                <a16:creationId xmlns:a16="http://schemas.microsoft.com/office/drawing/2014/main" id="{9F2F23AE-AB05-4EF9-B361-BE12DC425FCE}"/>
+                <a16:creationId xmlns:a16="http://schemas.microsoft.com/office/drawing/2014/main" id="{969F447B-27D7-4288-A786-1D3AD2976216}"/>
               </a:ext>
             </a:extLst>
           </p:cNvPr>
@@ -2287,7 +2294,7 @@
           <p:cNvPr id="4" name="Espace réservé du texte 3">
             <a:extLst>
               <a:ext uri="{FF2B5EF4-FFF2-40B4-BE49-F238E27FC236}">
-                <a16:creationId xmlns:a16="http://schemas.microsoft.com/office/drawing/2014/main" id="{B1F13E05-1B3B-48A7-9F6C-19533B56435F}"/>
+                <a16:creationId xmlns:a16="http://schemas.microsoft.com/office/drawing/2014/main" id="{D2218D48-E931-4FDB-A03F-EBBD6B0F7BBA}"/>
               </a:ext>
             </a:extLst>
           </p:cNvPr>
@@ -2358,7 +2365,7 @@
           <p:cNvPr id="5" name="Espace réservé de la date 4">
             <a:extLst>
               <a:ext uri="{FF2B5EF4-FFF2-40B4-BE49-F238E27FC236}">
-                <a16:creationId xmlns:a16="http://schemas.microsoft.com/office/drawing/2014/main" id="{67F9BC07-D1E9-4AF5-A69F-E680025FED52}"/>
+                <a16:creationId xmlns:a16="http://schemas.microsoft.com/office/drawing/2014/main" id="{59F08DC1-A6F5-433F-B035-8EF58DD617CA}"/>
               </a:ext>
             </a:extLst>
           </p:cNvPr>
@@ -2376,7 +2383,7 @@
           <a:p>
             <a:fld id="{38E7D7AE-69BE-402E-A2CE-40E353EE5558}" type="datetimeFigureOut">
               <a:rPr lang="fr-FR" smtClean="0"/>
-              <a:t>13/01/2021</a:t>
+              <a:t>15/01/2021</a:t>
             </a:fld>
             <a:endParaRPr lang="fr-FR"/>
           </a:p>
@@ -2387,7 +2394,7 @@
           <p:cNvPr id="6" name="Espace réservé du pied de page 5">
             <a:extLst>
               <a:ext uri="{FF2B5EF4-FFF2-40B4-BE49-F238E27FC236}">
-                <a16:creationId xmlns:a16="http://schemas.microsoft.com/office/drawing/2014/main" id="{027EA33E-0614-4EC2-B5AC-A709EFE8E0B8}"/>
+                <a16:creationId xmlns:a16="http://schemas.microsoft.com/office/drawing/2014/main" id="{A9A4C802-5C8B-448E-ACDB-C26BF5CE8936}"/>
               </a:ext>
             </a:extLst>
           </p:cNvPr>
@@ -2412,7 +2419,7 @@
           <p:cNvPr id="7" name="Espace réservé du numéro de diapositive 6">
             <a:extLst>
               <a:ext uri="{FF2B5EF4-FFF2-40B4-BE49-F238E27FC236}">
-                <a16:creationId xmlns:a16="http://schemas.microsoft.com/office/drawing/2014/main" id="{C181ACF1-CC95-49F0-8A94-158A34F99C60}"/>
+                <a16:creationId xmlns:a16="http://schemas.microsoft.com/office/drawing/2014/main" id="{21F6831A-0631-4122-BED0-71E26D780712}"/>
               </a:ext>
             </a:extLst>
           </p:cNvPr>
@@ -2439,7 +2446,7 @@
     </p:spTree>
     <p:extLst>
       <p:ext uri="{BB962C8B-B14F-4D97-AF65-F5344CB8AC3E}">
-        <p14:creationId xmlns:p14="http://schemas.microsoft.com/office/powerpoint/2010/main" val="2744210656"/>
+        <p14:creationId xmlns:p14="http://schemas.microsoft.com/office/powerpoint/2010/main" val="4217147508"/>
       </p:ext>
     </p:extLst>
   </p:cSld>
@@ -2471,7 +2478,7 @@
           <p:cNvPr id="2" name="Titre 1">
             <a:extLst>
               <a:ext uri="{FF2B5EF4-FFF2-40B4-BE49-F238E27FC236}">
-                <a16:creationId xmlns:a16="http://schemas.microsoft.com/office/drawing/2014/main" id="{EC3A62BF-B098-45C7-BC58-D79621EB5B67}"/>
+                <a16:creationId xmlns:a16="http://schemas.microsoft.com/office/drawing/2014/main" id="{34268ACF-35B4-41F5-AA98-21FEF718B78D}"/>
               </a:ext>
             </a:extLst>
           </p:cNvPr>
@@ -2508,7 +2515,7 @@
           <p:cNvPr id="3" name="Espace réservé pour une image  2">
             <a:extLst>
               <a:ext uri="{FF2B5EF4-FFF2-40B4-BE49-F238E27FC236}">
-                <a16:creationId xmlns:a16="http://schemas.microsoft.com/office/drawing/2014/main" id="{A8B1CDBE-1976-4FA1-B29D-C105B3143712}"/>
+                <a16:creationId xmlns:a16="http://schemas.microsoft.com/office/drawing/2014/main" id="{B1D81E92-AB04-4D0D-A0D9-274A4BEE1E47}"/>
               </a:ext>
             </a:extLst>
           </p:cNvPr>
@@ -2575,7 +2582,7 @@
           <p:cNvPr id="4" name="Espace réservé du texte 3">
             <a:extLst>
               <a:ext uri="{FF2B5EF4-FFF2-40B4-BE49-F238E27FC236}">
-                <a16:creationId xmlns:a16="http://schemas.microsoft.com/office/drawing/2014/main" id="{BB51A3EF-322A-4464-86E0-3078580CD79F}"/>
+                <a16:creationId xmlns:a16="http://schemas.microsoft.com/office/drawing/2014/main" id="{6359D80B-64B8-40BB-904F-4B737CC9D3C1}"/>
               </a:ext>
             </a:extLst>
           </p:cNvPr>
@@ -2646,7 +2653,7 @@
           <p:cNvPr id="5" name="Espace réservé de la date 4">
             <a:extLst>
               <a:ext uri="{FF2B5EF4-FFF2-40B4-BE49-F238E27FC236}">
-                <a16:creationId xmlns:a16="http://schemas.microsoft.com/office/drawing/2014/main" id="{2CCCCDAE-8236-4CB4-8088-D81AE8F2CDB8}"/>
+                <a16:creationId xmlns:a16="http://schemas.microsoft.com/office/drawing/2014/main" id="{9A7A1690-EC1E-49C8-9872-DEDFAA106A1B}"/>
               </a:ext>
             </a:extLst>
           </p:cNvPr>
@@ -2664,7 +2671,7 @@
           <a:p>
             <a:fld id="{38E7D7AE-69BE-402E-A2CE-40E353EE5558}" type="datetimeFigureOut">
               <a:rPr lang="fr-FR" smtClean="0"/>
-              <a:t>13/01/2021</a:t>
+              <a:t>15/01/2021</a:t>
             </a:fld>
             <a:endParaRPr lang="fr-FR"/>
           </a:p>
@@ -2675,7 +2682,7 @@
           <p:cNvPr id="6" name="Espace réservé du pied de page 5">
             <a:extLst>
               <a:ext uri="{FF2B5EF4-FFF2-40B4-BE49-F238E27FC236}">
-                <a16:creationId xmlns:a16="http://schemas.microsoft.com/office/drawing/2014/main" id="{EC930CF8-A339-47B1-B232-438AF4B353DF}"/>
+                <a16:creationId xmlns:a16="http://schemas.microsoft.com/office/drawing/2014/main" id="{318345E3-4C4E-4F72-B497-8B141D2DBE56}"/>
               </a:ext>
             </a:extLst>
           </p:cNvPr>
@@ -2691,7 +2698,7 @@
           <a:bodyPr/>
           <a:lstStyle/>
           <a:p>
-            <a:endParaRPr lang="fr-FR"/>
+            <a:endParaRPr lang="en-US" dirty="0"/>
           </a:p>
         </p:txBody>
       </p:sp>
@@ -2700,7 +2707,7 @@
           <p:cNvPr id="7" name="Espace réservé du numéro de diapositive 6">
             <a:extLst>
               <a:ext uri="{FF2B5EF4-FFF2-40B4-BE49-F238E27FC236}">
-                <a16:creationId xmlns:a16="http://schemas.microsoft.com/office/drawing/2014/main" id="{E20D018A-120F-4054-A71A-B48D025CCFA7}"/>
+                <a16:creationId xmlns:a16="http://schemas.microsoft.com/office/drawing/2014/main" id="{ACA4952B-BEC9-4F49-881D-1070E7209506}"/>
               </a:ext>
             </a:extLst>
           </p:cNvPr>
@@ -2727,7 +2734,7 @@
     </p:spTree>
     <p:extLst>
       <p:ext uri="{BB962C8B-B14F-4D97-AF65-F5344CB8AC3E}">
-        <p14:creationId xmlns:p14="http://schemas.microsoft.com/office/powerpoint/2010/main" val="1128723889"/>
+        <p14:creationId xmlns:p14="http://schemas.microsoft.com/office/powerpoint/2010/main" val="2234543867"/>
       </p:ext>
     </p:extLst>
   </p:cSld>
@@ -2764,7 +2771,7 @@
           <p:cNvPr id="2" name="Espace réservé du titre 1">
             <a:extLst>
               <a:ext uri="{FF2B5EF4-FFF2-40B4-BE49-F238E27FC236}">
-                <a16:creationId xmlns:a16="http://schemas.microsoft.com/office/drawing/2014/main" id="{EA70C958-A325-4D09-8BD8-85B63AF92C67}"/>
+                <a16:creationId xmlns:a16="http://schemas.microsoft.com/office/drawing/2014/main" id="{99385189-6408-475F-AAED-279523301E6E}"/>
               </a:ext>
             </a:extLst>
           </p:cNvPr>
@@ -2802,7 +2809,7 @@
           <p:cNvPr id="3" name="Espace réservé du texte 2">
             <a:extLst>
               <a:ext uri="{FF2B5EF4-FFF2-40B4-BE49-F238E27FC236}">
-                <a16:creationId xmlns:a16="http://schemas.microsoft.com/office/drawing/2014/main" id="{6DF0A1FE-917D-497B-874A-E4EB70B5BEA4}"/>
+                <a16:creationId xmlns:a16="http://schemas.microsoft.com/office/drawing/2014/main" id="{6FA05114-DAC6-47EA-B347-88452C9FB386}"/>
               </a:ext>
             </a:extLst>
           </p:cNvPr>
@@ -2869,7 +2876,7 @@
           <p:cNvPr id="4" name="Espace réservé de la date 3">
             <a:extLst>
               <a:ext uri="{FF2B5EF4-FFF2-40B4-BE49-F238E27FC236}">
-                <a16:creationId xmlns:a16="http://schemas.microsoft.com/office/drawing/2014/main" id="{F6E38265-F52E-4840-BF5D-032459C267F2}"/>
+                <a16:creationId xmlns:a16="http://schemas.microsoft.com/office/drawing/2014/main" id="{5B3F6666-1452-4C35-B6A4-AE58B013E439}"/>
               </a:ext>
             </a:extLst>
           </p:cNvPr>
@@ -2905,7 +2912,7 @@
           <a:p>
             <a:fld id="{38E7D7AE-69BE-402E-A2CE-40E353EE5558}" type="datetimeFigureOut">
               <a:rPr lang="fr-FR" smtClean="0"/>
-              <a:t>13/01/2021</a:t>
+              <a:t>15/01/2021</a:t>
             </a:fld>
             <a:endParaRPr lang="fr-FR"/>
           </a:p>
@@ -2916,7 +2923,7 @@
           <p:cNvPr id="5" name="Espace réservé du pied de page 4">
             <a:extLst>
               <a:ext uri="{FF2B5EF4-FFF2-40B4-BE49-F238E27FC236}">
-                <a16:creationId xmlns:a16="http://schemas.microsoft.com/office/drawing/2014/main" id="{B76765F2-69ED-4BD7-B4C4-B75F23764B39}"/>
+                <a16:creationId xmlns:a16="http://schemas.microsoft.com/office/drawing/2014/main" id="{C57A4AB9-E808-4835-B60E-492B217E20D7}"/>
               </a:ext>
             </a:extLst>
           </p:cNvPr>
@@ -2959,7 +2966,7 @@
           <p:cNvPr id="6" name="Espace réservé du numéro de diapositive 5">
             <a:extLst>
               <a:ext uri="{FF2B5EF4-FFF2-40B4-BE49-F238E27FC236}">
-                <a16:creationId xmlns:a16="http://schemas.microsoft.com/office/drawing/2014/main" id="{8B53D1CB-86C8-40D1-BCED-49C213CC18FB}"/>
+                <a16:creationId xmlns:a16="http://schemas.microsoft.com/office/drawing/2014/main" id="{CC305ABC-AB09-4801-9B97-0B80BF7C0965}"/>
               </a:ext>
             </a:extLst>
           </p:cNvPr>
@@ -3004,23 +3011,23 @@
     </p:spTree>
     <p:extLst>
       <p:ext uri="{BB962C8B-B14F-4D97-AF65-F5344CB8AC3E}">
-        <p14:creationId xmlns:p14="http://schemas.microsoft.com/office/powerpoint/2010/main" val="647314026"/>
+        <p14:creationId xmlns:p14="http://schemas.microsoft.com/office/powerpoint/2010/main" val="2644336998"/>
       </p:ext>
     </p:extLst>
   </p:cSld>
   <p:clrMap bg1="lt1" tx1="dk1" bg2="lt2" tx2="dk2" accent1="accent1" accent2="accent2" accent3="accent3" accent4="accent4" accent5="accent5" accent6="accent6" hlink="hlink" folHlink="folHlink"/>
   <p:sldLayoutIdLst>
-    <p:sldLayoutId id="2147483649" r:id="rId1"/>
-    <p:sldLayoutId id="2147483650" r:id="rId2"/>
-    <p:sldLayoutId id="2147483651" r:id="rId3"/>
-    <p:sldLayoutId id="2147483652" r:id="rId4"/>
-    <p:sldLayoutId id="2147483653" r:id="rId5"/>
-    <p:sldLayoutId id="2147483654" r:id="rId6"/>
-    <p:sldLayoutId id="2147483655" r:id="rId7"/>
-    <p:sldLayoutId id="2147483656" r:id="rId8"/>
-    <p:sldLayoutId id="2147483657" r:id="rId9"/>
-    <p:sldLayoutId id="2147483658" r:id="rId10"/>
-    <p:sldLayoutId id="2147483659" r:id="rId11"/>
+    <p:sldLayoutId id="2147484042" r:id="rId1"/>
+    <p:sldLayoutId id="2147484043" r:id="rId2"/>
+    <p:sldLayoutId id="2147484044" r:id="rId3"/>
+    <p:sldLayoutId id="2147484045" r:id="rId4"/>
+    <p:sldLayoutId id="2147484046" r:id="rId5"/>
+    <p:sldLayoutId id="2147484047" r:id="rId6"/>
+    <p:sldLayoutId id="2147484048" r:id="rId7"/>
+    <p:sldLayoutId id="2147484049" r:id="rId8"/>
+    <p:sldLayoutId id="2147484050" r:id="rId9"/>
+    <p:sldLayoutId id="2147484051" r:id="rId10"/>
+    <p:sldLayoutId id="2147484052" r:id="rId11"/>
   </p:sldLayoutIdLst>
   <p:txStyles>
     <p:titleStyle>
@@ -3302,6 +3309,11 @@
       </a:lvl9pPr>
     </p:otherStyle>
   </p:txStyles>
+  <p:extLst>
+    <p:ext uri="{27BBF7A9-308A-43DC-89C8-2F10F3537804}">
+      <p15:sldGuideLst xmlns:p15="http://schemas.microsoft.com/office/powerpoint/2012/main"/>
+    </p:ext>
+  </p:extLst>
 </p:sldMaster>
 </file>
 
@@ -3322,47 +3334,84 @@
           <a:chExt cx="0" cy="0"/>
         </a:xfrm>
       </p:grpSpPr>
-      <p:sp>
-        <p:nvSpPr>
-          <p:cNvPr id="4" name="ZoneTexte 3">
-            <a:extLst>
-              <a:ext uri="{FF2B5EF4-FFF2-40B4-BE49-F238E27FC236}">
-                <a16:creationId xmlns:a16="http://schemas.microsoft.com/office/drawing/2014/main" id="{54BFD472-41EC-4FDA-981D-E8A35D9035F3}"/>
-              </a:ext>
-            </a:extLst>
-          </p:cNvPr>
-          <p:cNvSpPr txBox="1"/>
+      <p:pic>
+        <p:nvPicPr>
+          <p:cNvPr id="23" name="Image 22">
+            <a:extLst>
+              <a:ext uri="{FF2B5EF4-FFF2-40B4-BE49-F238E27FC236}">
+                <a16:creationId xmlns:a16="http://schemas.microsoft.com/office/drawing/2014/main" id="{B95D0634-E044-4D8B-8484-3AEB7EC0FA73}"/>
+              </a:ext>
+            </a:extLst>
+          </p:cNvPr>
+          <p:cNvPicPr>
+            <a:picLocks noChangeAspect="1"/>
+          </p:cNvPicPr>
           <p:nvPr/>
-        </p:nvSpPr>
+        </p:nvPicPr>
+        <p:blipFill rotWithShape="1">
+          <a:blip r:embed="rId2">
+            <a:extLst>
+              <a:ext uri="{28A0092B-C50C-407E-A947-70E740481C1C}">
+                <a14:useLocalDpi xmlns:a14="http://schemas.microsoft.com/office/drawing/2010/main" val="0"/>
+              </a:ext>
+            </a:extLst>
+          </a:blip>
+          <a:srcRect l="3050" t="38" b="7624"/>
+          <a:stretch/>
+        </p:blipFill>
         <p:spPr>
           <a:xfrm>
-            <a:off x="1238250" y="619125"/>
-            <a:ext cx="8620125" cy="646331"/>
+            <a:off x="0" y="-81023"/>
+            <a:ext cx="12803224" cy="6939023"/>
           </a:xfrm>
           <a:prstGeom prst="rect">
             <a:avLst/>
           </a:prstGeom>
-          <a:noFill/>
         </p:spPr>
-        <p:txBody>
-          <a:bodyPr wrap="square" rtlCol="0">
-            <a:spAutoFit/>
-          </a:bodyPr>
-          <a:lstStyle/>
-          <a:p>
-            <a:r>
-              <a:rPr lang="fr-FR" dirty="0"/>
-              <a:t>Incarnez un postier au cours des élections présidentielles aux Etats-Unis en 2020. Il faut à tous prix mener les votes au bureau de poste en évitant les obstacles.</a:t>
+      </p:pic>
+      <p:sp>
+        <p:nvSpPr>
+          <p:cNvPr id="2" name="Titre 1">
+            <a:extLst>
+              <a:ext uri="{FF2B5EF4-FFF2-40B4-BE49-F238E27FC236}">
+                <a16:creationId xmlns:a16="http://schemas.microsoft.com/office/drawing/2014/main" id="{06A3D172-0879-4754-A5CD-CB170CA89298}"/>
+              </a:ext>
+            </a:extLst>
+          </p:cNvPr>
+          <p:cNvSpPr>
+            <a:spLocks noGrp="1"/>
+          </p:cNvSpPr>
+          <p:nvPr>
+            <p:ph type="title"/>
+          </p:nvPr>
+        </p:nvSpPr>
+        <p:spPr>
+          <a:xfrm>
+            <a:off x="838199" y="2504317"/>
+            <a:ext cx="10515600" cy="1325563"/>
+          </a:xfrm>
+          <a:effectLst/>
+        </p:spPr>
+        <p:txBody>
+          <a:bodyPr/>
+          <a:lstStyle/>
+          <a:p>
+            <a:pPr algn="ctr"/>
+            <a:r>
+              <a:rPr lang="fr-FR" dirty="0">
+                <a:latin typeface="Futura LT" panose="02000803000000000000" pitchFamily="2" charset="0"/>
+              </a:rPr>
+              <a:t>Postal        Square</a:t>
             </a:r>
           </a:p>
         </p:txBody>
       </p:sp>
       <p:pic>
         <p:nvPicPr>
-          <p:cNvPr id="8" name="Image 7">
-            <a:extLst>
-              <a:ext uri="{FF2B5EF4-FFF2-40B4-BE49-F238E27FC236}">
-                <a16:creationId xmlns:a16="http://schemas.microsoft.com/office/drawing/2014/main" id="{ADA7CDFF-0A43-490D-BC29-51F9AA62AD17}"/>
+          <p:cNvPr id="25" name="Image 24">
+            <a:extLst>
+              <a:ext uri="{FF2B5EF4-FFF2-40B4-BE49-F238E27FC236}">
+                <a16:creationId xmlns:a16="http://schemas.microsoft.com/office/drawing/2014/main" id="{57C559A9-CCE7-46CE-8E5C-DB48B6E746F4}"/>
               </a:ext>
             </a:extLst>
           </p:cNvPr>
@@ -3372,7 +3421,7 @@
           <p:nvPr/>
         </p:nvPicPr>
         <p:blipFill>
-          <a:blip r:embed="rId2">
+          <a:blip r:embed="rId3">
             <a:extLst>
               <a:ext uri="{28A0092B-C50C-407E-A947-70E740481C1C}">
                 <a14:useLocalDpi xmlns:a14="http://schemas.microsoft.com/office/drawing/2010/main" val="0"/>
@@ -3385,66 +3434,56 @@
         </p:blipFill>
         <p:spPr>
           <a:xfrm>
-            <a:off x="3681114" y="1436617"/>
-            <a:ext cx="4829771" cy="4802258"/>
+            <a:off x="4343963" y="2402968"/>
+            <a:ext cx="3504071" cy="1971040"/>
           </a:xfrm>
           <a:prstGeom prst="rect">
             <a:avLst/>
           </a:prstGeom>
         </p:spPr>
       </p:pic>
-      <p:sp>
-        <p:nvSpPr>
-          <p:cNvPr id="11" name="Flèche : droite 10">
-            <a:extLst>
-              <a:ext uri="{FF2B5EF4-FFF2-40B4-BE49-F238E27FC236}">
-                <a16:creationId xmlns:a16="http://schemas.microsoft.com/office/drawing/2014/main" id="{0C5298AF-93C9-429C-AFF0-956E3BF3B8EC}"/>
-              </a:ext>
-            </a:extLst>
-          </p:cNvPr>
-          <p:cNvSpPr/>
+      <p:pic>
+        <p:nvPicPr>
+          <p:cNvPr id="27" name="Image 26">
+            <a:extLst>
+              <a:ext uri="{FF2B5EF4-FFF2-40B4-BE49-F238E27FC236}">
+                <a16:creationId xmlns:a16="http://schemas.microsoft.com/office/drawing/2014/main" id="{93B1AF23-6792-48EA-A296-DDA136EA0EF2}"/>
+              </a:ext>
+            </a:extLst>
+          </p:cNvPr>
+          <p:cNvPicPr>
+            <a:picLocks noChangeAspect="1"/>
+          </p:cNvPicPr>
           <p:nvPr/>
-        </p:nvSpPr>
+        </p:nvPicPr>
+        <p:blipFill>
+          <a:blip r:embed="rId4">
+            <a:extLst>
+              <a:ext uri="{28A0092B-C50C-407E-A947-70E740481C1C}">
+                <a14:useLocalDpi xmlns:a14="http://schemas.microsoft.com/office/drawing/2010/main" val="0"/>
+              </a:ext>
+            </a:extLst>
+          </a:blip>
+          <a:stretch>
+            <a:fillRect/>
+          </a:stretch>
+        </p:blipFill>
         <p:spPr>
           <a:xfrm>
-            <a:off x="2595566" y="1744910"/>
-            <a:ext cx="1048624" cy="234892"/>
+            <a:off x="-79656" y="5826575"/>
+            <a:ext cx="2092960" cy="1177290"/>
           </a:xfrm>
-          <a:prstGeom prst="rightArrow">
+          <a:prstGeom prst="rect">
             <a:avLst/>
           </a:prstGeom>
         </p:spPr>
-        <p:style>
-          <a:lnRef idx="2">
-            <a:schemeClr val="accent1">
-              <a:shade val="50000"/>
-            </a:schemeClr>
-          </a:lnRef>
-          <a:fillRef idx="1">
-            <a:schemeClr val="accent1"/>
-          </a:fillRef>
-          <a:effectRef idx="0">
-            <a:schemeClr val="accent1"/>
-          </a:effectRef>
-          <a:fontRef idx="minor">
-            <a:schemeClr val="lt1"/>
-          </a:fontRef>
-        </p:style>
-        <p:txBody>
-          <a:bodyPr rtlCol="0" anchor="ctr"/>
-          <a:lstStyle/>
-          <a:p>
-            <a:pPr algn="ctr"/>
-            <a:endParaRPr lang="fr-FR"/>
-          </a:p>
-        </p:txBody>
-      </p:sp>
-      <p:sp>
-        <p:nvSpPr>
-          <p:cNvPr id="13" name="ZoneTexte 12">
-            <a:extLst>
-              <a:ext uri="{FF2B5EF4-FFF2-40B4-BE49-F238E27FC236}">
-                <a16:creationId xmlns:a16="http://schemas.microsoft.com/office/drawing/2014/main" id="{745205B1-475C-45C4-AC63-1E3C7949F2CE}"/>
+      </p:pic>
+      <p:sp>
+        <p:nvSpPr>
+          <p:cNvPr id="28" name="ZoneTexte 27">
+            <a:extLst>
+              <a:ext uri="{FF2B5EF4-FFF2-40B4-BE49-F238E27FC236}">
+                <a16:creationId xmlns:a16="http://schemas.microsoft.com/office/drawing/2014/main" id="{CCCC5912-A7F0-4DEC-9385-4499BAB7ED93}"/>
               </a:ext>
             </a:extLst>
           </p:cNvPr>
@@ -3453,8 +3492,8 @@
         </p:nvSpPr>
         <p:spPr>
           <a:xfrm>
-            <a:off x="1043603" y="1631523"/>
-            <a:ext cx="1551963" cy="461665"/>
+            <a:off x="9931399" y="6230554"/>
+            <a:ext cx="2626361" cy="369332"/>
           </a:xfrm>
           <a:prstGeom prst="rect">
             <a:avLst/>
@@ -3468,8 +3507,13 @@
           <a:lstStyle/>
           <a:p>
             <a:r>
-              <a:rPr lang="fr-FR" sz="1200" dirty="0"/>
-              <a:t>Nuance en fonction du nombre de pièges</a:t>
+              <a:rPr lang="fr-FR" dirty="0">
+                <a:solidFill>
+                  <a:schemeClr val="bg1"/>
+                </a:solidFill>
+                <a:latin typeface="Futura LT" panose="02000803000000000000" pitchFamily="2" charset="0"/>
+              </a:rPr>
+              <a:t>Henri Viellard GD1B</a:t>
             </a:r>
           </a:p>
         </p:txBody>
@@ -3477,7 +3521,7 @@
     </p:spTree>
     <p:extLst>
       <p:ext uri="{BB962C8B-B14F-4D97-AF65-F5344CB8AC3E}">
-        <p14:creationId xmlns:p14="http://schemas.microsoft.com/office/powerpoint/2010/main" val="3116350950"/>
+        <p14:creationId xmlns:p14="http://schemas.microsoft.com/office/powerpoint/2010/main" val="885241972"/>
       </p:ext>
     </p:extLst>
   </p:cSld>
@@ -3504,6 +3548,227 @@
           <a:chExt cx="0" cy="0"/>
         </a:xfrm>
       </p:grpSpPr>
+      <p:pic>
+        <p:nvPicPr>
+          <p:cNvPr id="6" name="Image 5">
+            <a:extLst>
+              <a:ext uri="{FF2B5EF4-FFF2-40B4-BE49-F238E27FC236}">
+                <a16:creationId xmlns:a16="http://schemas.microsoft.com/office/drawing/2014/main" id="{7939B682-D584-4346-BB91-DA90B6549DD2}"/>
+              </a:ext>
+            </a:extLst>
+          </p:cNvPr>
+          <p:cNvPicPr>
+            <a:picLocks noChangeAspect="1"/>
+          </p:cNvPicPr>
+          <p:nvPr/>
+        </p:nvPicPr>
+        <p:blipFill rotWithShape="1">
+          <a:blip r:embed="rId2">
+            <a:extLst>
+              <a:ext uri="{28A0092B-C50C-407E-A947-70E740481C1C}">
+                <a14:useLocalDpi xmlns:a14="http://schemas.microsoft.com/office/drawing/2010/main" val="0"/>
+              </a:ext>
+            </a:extLst>
+          </a:blip>
+          <a:srcRect l="3050" t="38" b="7624"/>
+          <a:stretch/>
+        </p:blipFill>
+        <p:spPr>
+          <a:xfrm>
+            <a:off x="0" y="-81023"/>
+            <a:ext cx="12803224" cy="6939023"/>
+          </a:xfrm>
+          <a:prstGeom prst="rect">
+            <a:avLst/>
+          </a:prstGeom>
+        </p:spPr>
+      </p:pic>
+      <p:sp>
+        <p:nvSpPr>
+          <p:cNvPr id="4" name="ZoneTexte 3">
+            <a:extLst>
+              <a:ext uri="{FF2B5EF4-FFF2-40B4-BE49-F238E27FC236}">
+                <a16:creationId xmlns:a16="http://schemas.microsoft.com/office/drawing/2014/main" id="{54BFD472-41EC-4FDA-981D-E8A35D9035F3}"/>
+              </a:ext>
+            </a:extLst>
+          </p:cNvPr>
+          <p:cNvSpPr txBox="1"/>
+          <p:nvPr/>
+        </p:nvSpPr>
+        <p:spPr>
+          <a:xfrm>
+            <a:off x="1785936" y="303222"/>
+            <a:ext cx="8620125" cy="923330"/>
+          </a:xfrm>
+          <a:prstGeom prst="rect">
+            <a:avLst/>
+          </a:prstGeom>
+          <a:noFill/>
+        </p:spPr>
+        <p:txBody>
+          <a:bodyPr wrap="square" rtlCol="0">
+            <a:spAutoFit/>
+          </a:bodyPr>
+          <a:lstStyle/>
+          <a:p>
+            <a:r>
+              <a:rPr lang="fr-FR" dirty="0">
+                <a:latin typeface="Futura LT" panose="02000803000000000000" pitchFamily="2" charset="0"/>
+              </a:rPr>
+              <a:t>Incarnez un postier au cours des élections présidentielles aux Etats-Unis en 2020. Il faut à tous prix mener les votes au bureau de poste en évitant les obstacles parfois cachés.</a:t>
+            </a:r>
+          </a:p>
+        </p:txBody>
+      </p:sp>
+      <p:sp>
+        <p:nvSpPr>
+          <p:cNvPr id="11" name="Flèche : droite 10">
+            <a:extLst>
+              <a:ext uri="{FF2B5EF4-FFF2-40B4-BE49-F238E27FC236}">
+                <a16:creationId xmlns:a16="http://schemas.microsoft.com/office/drawing/2014/main" id="{0C5298AF-93C9-429C-AFF0-956E3BF3B8EC}"/>
+              </a:ext>
+            </a:extLst>
+          </p:cNvPr>
+          <p:cNvSpPr/>
+          <p:nvPr/>
+        </p:nvSpPr>
+        <p:spPr>
+          <a:xfrm>
+            <a:off x="2595566" y="1744910"/>
+            <a:ext cx="1048624" cy="234892"/>
+          </a:xfrm>
+          <a:prstGeom prst="rightArrow">
+            <a:avLst/>
+          </a:prstGeom>
+        </p:spPr>
+        <p:style>
+          <a:lnRef idx="2">
+            <a:schemeClr val="accent1">
+              <a:shade val="50000"/>
+            </a:schemeClr>
+          </a:lnRef>
+          <a:fillRef idx="1">
+            <a:schemeClr val="accent1"/>
+          </a:fillRef>
+          <a:effectRef idx="0">
+            <a:schemeClr val="accent1"/>
+          </a:effectRef>
+          <a:fontRef idx="minor">
+            <a:schemeClr val="lt1"/>
+          </a:fontRef>
+        </p:style>
+        <p:txBody>
+          <a:bodyPr rtlCol="0" anchor="ctr"/>
+          <a:lstStyle/>
+          <a:p>
+            <a:pPr algn="ctr"/>
+            <a:endParaRPr lang="fr-FR"/>
+          </a:p>
+        </p:txBody>
+      </p:sp>
+      <p:sp>
+        <p:nvSpPr>
+          <p:cNvPr id="13" name="ZoneTexte 12">
+            <a:extLst>
+              <a:ext uri="{FF2B5EF4-FFF2-40B4-BE49-F238E27FC236}">
+                <a16:creationId xmlns:a16="http://schemas.microsoft.com/office/drawing/2014/main" id="{745205B1-475C-45C4-AC63-1E3C7949F2CE}"/>
+              </a:ext>
+            </a:extLst>
+          </p:cNvPr>
+          <p:cNvSpPr txBox="1"/>
+          <p:nvPr/>
+        </p:nvSpPr>
+        <p:spPr>
+          <a:xfrm>
+            <a:off x="967637" y="1610797"/>
+            <a:ext cx="1745841" cy="400110"/>
+          </a:xfrm>
+          <a:prstGeom prst="rect">
+            <a:avLst/>
+          </a:prstGeom>
+          <a:noFill/>
+        </p:spPr>
+        <p:txBody>
+          <a:bodyPr wrap="square" rtlCol="0">
+            <a:spAutoFit/>
+          </a:bodyPr>
+          <a:lstStyle/>
+          <a:p>
+            <a:r>
+              <a:rPr lang="fr-FR" sz="1000" dirty="0">
+                <a:latin typeface="Futura LT" panose="02000803000000000000" pitchFamily="2" charset="0"/>
+              </a:rPr>
+              <a:t>Nuance en fonction du nombre de pièges</a:t>
+            </a:r>
+          </a:p>
+        </p:txBody>
+      </p:sp>
+      <p:pic>
+        <p:nvPicPr>
+          <p:cNvPr id="3" name="Image 2">
+            <a:extLst>
+              <a:ext uri="{FF2B5EF4-FFF2-40B4-BE49-F238E27FC236}">
+                <a16:creationId xmlns:a16="http://schemas.microsoft.com/office/drawing/2014/main" id="{8EC16BA7-AADF-498B-A289-51034EB8372B}"/>
+              </a:ext>
+            </a:extLst>
+          </p:cNvPr>
+          <p:cNvPicPr>
+            <a:picLocks noChangeAspect="1"/>
+          </p:cNvPicPr>
+          <p:nvPr/>
+        </p:nvPicPr>
+        <p:blipFill>
+          <a:blip r:embed="rId3">
+            <a:extLst>
+              <a:ext uri="{28A0092B-C50C-407E-A947-70E740481C1C}">
+                <a14:useLocalDpi xmlns:a14="http://schemas.microsoft.com/office/drawing/2010/main" val="0"/>
+              </a:ext>
+            </a:extLst>
+          </a:blip>
+          <a:stretch>
+            <a:fillRect/>
+          </a:stretch>
+        </p:blipFill>
+        <p:spPr>
+          <a:xfrm>
+            <a:off x="3718040" y="1436617"/>
+            <a:ext cx="4829772" cy="4802258"/>
+          </a:xfrm>
+          <a:prstGeom prst="rect">
+            <a:avLst/>
+          </a:prstGeom>
+        </p:spPr>
+      </p:pic>
+    </p:spTree>
+    <p:extLst>
+      <p:ext uri="{BB962C8B-B14F-4D97-AF65-F5344CB8AC3E}">
+        <p14:creationId xmlns:p14="http://schemas.microsoft.com/office/powerpoint/2010/main" val="3116350950"/>
+      </p:ext>
+    </p:extLst>
+  </p:cSld>
+  <p:clrMapOvr>
+    <a:masterClrMapping/>
+  </p:clrMapOvr>
+</p:sld>
+</file>
+
+<file path=ppt/slides/slide3.xml><?xml version="1.0" encoding="utf-8"?>
+<p:sld xmlns:a="http://schemas.openxmlformats.org/drawingml/2006/main" xmlns:r="http://schemas.openxmlformats.org/officeDocument/2006/relationships" xmlns:p="http://schemas.openxmlformats.org/presentationml/2006/main">
+  <p:cSld>
+    <p:spTree>
+      <p:nvGrpSpPr>
+        <p:cNvPr id="1" name=""/>
+        <p:cNvGrpSpPr/>
+        <p:nvPr/>
+      </p:nvGrpSpPr>
+      <p:grpSpPr>
+        <a:xfrm>
+          <a:off x="0" y="0"/>
+          <a:ext cx="0" cy="0"/>
+          <a:chOff x="0" y="0"/>
+          <a:chExt cx="0" cy="0"/>
+        </a:xfrm>
+      </p:grpSpPr>
       <p:sp>
         <p:nvSpPr>
           <p:cNvPr id="4" name="ZoneTexte 3">
@@ -3578,6 +3843,300 @@
     <p:extLst>
       <p:ext uri="{BB962C8B-B14F-4D97-AF65-F5344CB8AC3E}">
         <p14:creationId xmlns:p14="http://schemas.microsoft.com/office/powerpoint/2010/main" val="1964977942"/>
+      </p:ext>
+    </p:extLst>
+  </p:cSld>
+  <p:clrMapOvr>
+    <a:masterClrMapping/>
+  </p:clrMapOvr>
+</p:sld>
+</file>
+
+<file path=ppt/slides/slide4.xml><?xml version="1.0" encoding="utf-8"?>
+<p:sld xmlns:a="http://schemas.openxmlformats.org/drawingml/2006/main" xmlns:r="http://schemas.openxmlformats.org/officeDocument/2006/relationships" xmlns:p="http://schemas.openxmlformats.org/presentationml/2006/main">
+  <p:cSld>
+    <p:spTree>
+      <p:nvGrpSpPr>
+        <p:cNvPr id="1" name=""/>
+        <p:cNvGrpSpPr/>
+        <p:nvPr/>
+      </p:nvGrpSpPr>
+      <p:grpSpPr>
+        <a:xfrm>
+          <a:off x="0" y="0"/>
+          <a:ext cx="0" cy="0"/>
+          <a:chOff x="0" y="0"/>
+          <a:chExt cx="0" cy="0"/>
+        </a:xfrm>
+      </p:grpSpPr>
+      <p:pic>
+        <p:nvPicPr>
+          <p:cNvPr id="5" name="Image 4">
+            <a:extLst>
+              <a:ext uri="{FF2B5EF4-FFF2-40B4-BE49-F238E27FC236}">
+                <a16:creationId xmlns:a16="http://schemas.microsoft.com/office/drawing/2014/main" id="{EC306CA6-469D-4676-B61C-CF93AEB54081}"/>
+              </a:ext>
+            </a:extLst>
+          </p:cNvPr>
+          <p:cNvPicPr>
+            <a:picLocks noChangeAspect="1"/>
+          </p:cNvPicPr>
+          <p:nvPr/>
+        </p:nvPicPr>
+        <p:blipFill>
+          <a:blip r:embed="rId2"/>
+          <a:stretch>
+            <a:fillRect/>
+          </a:stretch>
+        </p:blipFill>
+        <p:spPr>
+          <a:xfrm>
+            <a:off x="4754562" y="790575"/>
+            <a:ext cx="5324475" cy="5276850"/>
+          </a:xfrm>
+          <a:prstGeom prst="rect">
+            <a:avLst/>
+          </a:prstGeom>
+        </p:spPr>
+      </p:pic>
+      <p:sp>
+        <p:nvSpPr>
+          <p:cNvPr id="6" name="ZoneTexte 5">
+            <a:extLst>
+              <a:ext uri="{FF2B5EF4-FFF2-40B4-BE49-F238E27FC236}">
+                <a16:creationId xmlns:a16="http://schemas.microsoft.com/office/drawing/2014/main" id="{1EDB49A5-C131-4DE0-AA0F-EF02BF65F78F}"/>
+              </a:ext>
+            </a:extLst>
+          </p:cNvPr>
+          <p:cNvSpPr txBox="1"/>
+          <p:nvPr/>
+        </p:nvSpPr>
+        <p:spPr>
+          <a:xfrm>
+            <a:off x="554672" y="896779"/>
+            <a:ext cx="3392170" cy="1477328"/>
+          </a:xfrm>
+          <a:prstGeom prst="rect">
+            <a:avLst/>
+          </a:prstGeom>
+          <a:noFill/>
+        </p:spPr>
+        <p:txBody>
+          <a:bodyPr wrap="square" rtlCol="0">
+            <a:spAutoFit/>
+          </a:bodyPr>
+          <a:lstStyle/>
+          <a:p>
+            <a:r>
+              <a:rPr lang="fr-FR" dirty="0"/>
+              <a:t>- S’il y a plus d’une case rouge et une seule case verte sur la ligne il y a des bombes sur les cases bleues et rouge de la ligne suivante</a:t>
+            </a:r>
+          </a:p>
+        </p:txBody>
+      </p:sp>
+      <p:sp>
+        <p:nvSpPr>
+          <p:cNvPr id="7" name="ZoneTexte 6">
+            <a:extLst>
+              <a:ext uri="{FF2B5EF4-FFF2-40B4-BE49-F238E27FC236}">
+                <a16:creationId xmlns:a16="http://schemas.microsoft.com/office/drawing/2014/main" id="{6A49EF4A-0DEC-4BDC-9070-C63EEA287767}"/>
+              </a:ext>
+            </a:extLst>
+          </p:cNvPr>
+          <p:cNvSpPr txBox="1"/>
+          <p:nvPr/>
+        </p:nvSpPr>
+        <p:spPr>
+          <a:xfrm>
+            <a:off x="4261802" y="896779"/>
+            <a:ext cx="538480" cy="5170646"/>
+          </a:xfrm>
+          <a:prstGeom prst="rect">
+            <a:avLst/>
+          </a:prstGeom>
+          <a:noFill/>
+        </p:spPr>
+        <p:txBody>
+          <a:bodyPr wrap="square" rtlCol="0">
+            <a:spAutoFit/>
+          </a:bodyPr>
+          <a:lstStyle/>
+          <a:p>
+            <a:r>
+              <a:rPr lang="fr-FR" sz="6600" dirty="0"/>
+              <a:t>E</a:t>
+            </a:r>
+          </a:p>
+          <a:p>
+            <a:r>
+              <a:rPr lang="fr-FR" sz="6600" dirty="0"/>
+              <a:t>D</a:t>
+            </a:r>
+          </a:p>
+          <a:p>
+            <a:r>
+              <a:rPr lang="fr-FR" sz="6600" dirty="0"/>
+              <a:t>C</a:t>
+            </a:r>
+          </a:p>
+          <a:p>
+            <a:r>
+              <a:rPr lang="fr-FR" sz="6600" dirty="0"/>
+              <a:t>B</a:t>
+            </a:r>
+          </a:p>
+          <a:p>
+            <a:r>
+              <a:rPr lang="fr-FR" sz="6600" dirty="0"/>
+              <a:t>A</a:t>
+            </a:r>
+          </a:p>
+        </p:txBody>
+      </p:sp>
+      <p:sp>
+        <p:nvSpPr>
+          <p:cNvPr id="8" name="ZoneTexte 7">
+            <a:extLst>
+              <a:ext uri="{FF2B5EF4-FFF2-40B4-BE49-F238E27FC236}">
+                <a16:creationId xmlns:a16="http://schemas.microsoft.com/office/drawing/2014/main" id="{1B846331-5D5C-4BEF-BFB2-C81D8FCE599C}"/>
+              </a:ext>
+            </a:extLst>
+          </p:cNvPr>
+          <p:cNvSpPr txBox="1"/>
+          <p:nvPr/>
+        </p:nvSpPr>
+        <p:spPr>
+          <a:xfrm>
+            <a:off x="5212714" y="5750004"/>
+            <a:ext cx="4826000" cy="1107996"/>
+          </a:xfrm>
+          <a:prstGeom prst="rect">
+            <a:avLst/>
+          </a:prstGeom>
+          <a:noFill/>
+        </p:spPr>
+        <p:txBody>
+          <a:bodyPr wrap="square" rtlCol="0">
+            <a:spAutoFit/>
+          </a:bodyPr>
+          <a:lstStyle/>
+          <a:p>
+            <a:r>
+              <a:rPr lang="fr-FR" sz="6600" dirty="0"/>
+              <a:t>1   2   3   4   5</a:t>
+            </a:r>
+          </a:p>
+        </p:txBody>
+      </p:sp>
+      <p:sp>
+        <p:nvSpPr>
+          <p:cNvPr id="9" name="ZoneTexte 8">
+            <a:extLst>
+              <a:ext uri="{FF2B5EF4-FFF2-40B4-BE49-F238E27FC236}">
+                <a16:creationId xmlns:a16="http://schemas.microsoft.com/office/drawing/2014/main" id="{4C25CCFC-CF8D-4A55-870B-7B93A2217DB1}"/>
+              </a:ext>
+            </a:extLst>
+          </p:cNvPr>
+          <p:cNvSpPr txBox="1"/>
+          <p:nvPr/>
+        </p:nvSpPr>
+        <p:spPr>
+          <a:xfrm>
+            <a:off x="492442" y="2447984"/>
+            <a:ext cx="3392170" cy="1200329"/>
+          </a:xfrm>
+          <a:prstGeom prst="rect">
+            <a:avLst/>
+          </a:prstGeom>
+          <a:noFill/>
+        </p:spPr>
+        <p:txBody>
+          <a:bodyPr wrap="square" rtlCol="0">
+            <a:spAutoFit/>
+          </a:bodyPr>
+          <a:lstStyle/>
+          <a:p>
+            <a:r>
+              <a:rPr lang="fr-FR" dirty="0"/>
+              <a:t>- S’il y a quatre couleurs différentes sur la ligne il y a une bombe sur la case jaune de la ligne suivante</a:t>
+            </a:r>
+          </a:p>
+        </p:txBody>
+      </p:sp>
+      <p:sp>
+        <p:nvSpPr>
+          <p:cNvPr id="11" name="ZoneTexte 10">
+            <a:extLst>
+              <a:ext uri="{FF2B5EF4-FFF2-40B4-BE49-F238E27FC236}">
+                <a16:creationId xmlns:a16="http://schemas.microsoft.com/office/drawing/2014/main" id="{0A2C933E-DF1E-4551-8E1A-161048A8675D}"/>
+              </a:ext>
+            </a:extLst>
+          </p:cNvPr>
+          <p:cNvSpPr txBox="1"/>
+          <p:nvPr/>
+        </p:nvSpPr>
+        <p:spPr>
+          <a:xfrm>
+            <a:off x="554672" y="3883729"/>
+            <a:ext cx="3392170" cy="1200329"/>
+          </a:xfrm>
+          <a:prstGeom prst="rect">
+            <a:avLst/>
+          </a:prstGeom>
+          <a:noFill/>
+        </p:spPr>
+        <p:txBody>
+          <a:bodyPr wrap="square" rtlCol="0">
+            <a:spAutoFit/>
+          </a:bodyPr>
+          <a:lstStyle/>
+          <a:p>
+            <a:r>
+              <a:rPr lang="fr-FR" dirty="0"/>
+              <a:t>- S’il y a deux cases vertes et une seule case jaune sur la ligne il n’y a pas de bombe sur la case jaune de la ligne suivante</a:t>
+            </a:r>
+          </a:p>
+        </p:txBody>
+      </p:sp>
+      <p:sp>
+        <p:nvSpPr>
+          <p:cNvPr id="12" name="ZoneTexte 11">
+            <a:extLst>
+              <a:ext uri="{FF2B5EF4-FFF2-40B4-BE49-F238E27FC236}">
+                <a16:creationId xmlns:a16="http://schemas.microsoft.com/office/drawing/2014/main" id="{489E25CD-F0FD-49CE-BED3-7F8CFCCDD31D}"/>
+              </a:ext>
+            </a:extLst>
+          </p:cNvPr>
+          <p:cNvSpPr txBox="1"/>
+          <p:nvPr/>
+        </p:nvSpPr>
+        <p:spPr>
+          <a:xfrm>
+            <a:off x="457201" y="5245169"/>
+            <a:ext cx="3392170" cy="1200329"/>
+          </a:xfrm>
+          <a:prstGeom prst="rect">
+            <a:avLst/>
+          </a:prstGeom>
+          <a:noFill/>
+        </p:spPr>
+        <p:txBody>
+          <a:bodyPr wrap="square" rtlCol="0">
+            <a:spAutoFit/>
+          </a:bodyPr>
+          <a:lstStyle/>
+          <a:p>
+            <a:r>
+              <a:rPr lang="fr-FR" dirty="0"/>
+              <a:t>- Si les couleurs sont réparties symétriquement il a des bombes sur les cases bleus de la ligne suivante</a:t>
+            </a:r>
+          </a:p>
+        </p:txBody>
+      </p:sp>
+    </p:spTree>
+    <p:extLst>
+      <p:ext uri="{BB962C8B-B14F-4D97-AF65-F5344CB8AC3E}">
+        <p14:creationId xmlns:p14="http://schemas.microsoft.com/office/powerpoint/2010/main" val="3651144871"/>
       </p:ext>
     </p:extLst>
   </p:cSld>

--- a/Pitch_01.pptx
+++ b/Pitch_01.pptx
@@ -1,6 +1,6 @@
 
 <file path=ppt/presentation.xml><?xml version="1.0" encoding="utf-8"?>
-<p:presentation xmlns:a="http://schemas.openxmlformats.org/drawingml/2006/main" xmlns:r="http://schemas.openxmlformats.org/officeDocument/2006/relationships" xmlns:p="http://schemas.openxmlformats.org/presentationml/2006/main" saveSubsetFonts="1">
+<p:presentation xmlns:a="http://schemas.openxmlformats.org/drawingml/2006/main" xmlns:r="http://schemas.openxmlformats.org/officeDocument/2006/relationships" xmlns:p="http://schemas.openxmlformats.org/presentationml/2006/main" embedTrueTypeFonts="1" saveSubsetFonts="1">
   <p:sldMasterIdLst>
     <p:sldMasterId id="2147484041" r:id="rId1"/>
   </p:sldMasterIdLst>
@@ -12,6 +12,24 @@
   </p:sldIdLst>
   <p:sldSz cx="12192000" cy="6858000"/>
   <p:notesSz cx="6858000" cy="9144000"/>
+  <p:embeddedFontLst>
+    <p:embeddedFont>
+      <p:font typeface="Calibri" panose="020F0502020204030204" pitchFamily="34" charset="0"/>
+      <p:regular r:id="rId6"/>
+      <p:bold r:id="rId7"/>
+      <p:italic r:id="rId8"/>
+      <p:boldItalic r:id="rId9"/>
+    </p:embeddedFont>
+    <p:embeddedFont>
+      <p:font typeface="Calibri Light" panose="020F0302020204030204" pitchFamily="34" charset="0"/>
+      <p:regular r:id="rId10"/>
+      <p:italic r:id="rId11"/>
+    </p:embeddedFont>
+    <p:embeddedFont>
+      <p:font typeface="Futura LT" panose="02000803000000000000" pitchFamily="2" charset="0"/>
+      <p:bold r:id="rId12"/>
+    </p:embeddedFont>
+  </p:embeddedFontLst>
   <p:defaultTextStyle>
     <a:defPPr>
       <a:defRPr lang="fr-FR"/>
@@ -262,7 +280,7 @@
           <a:p>
             <a:fld id="{38E7D7AE-69BE-402E-A2CE-40E353EE5558}" type="datetimeFigureOut">
               <a:rPr lang="fr-FR" smtClean="0"/>
-              <a:t>15/01/2021</a:t>
+              <a:t>16/01/2021</a:t>
             </a:fld>
             <a:endParaRPr lang="fr-FR"/>
           </a:p>
@@ -460,7 +478,7 @@
           <a:p>
             <a:fld id="{38E7D7AE-69BE-402E-A2CE-40E353EE5558}" type="datetimeFigureOut">
               <a:rPr lang="fr-FR" smtClean="0"/>
-              <a:t>15/01/2021</a:t>
+              <a:t>16/01/2021</a:t>
             </a:fld>
             <a:endParaRPr lang="fr-FR"/>
           </a:p>
@@ -668,7 +686,7 @@
           <a:p>
             <a:fld id="{38E7D7AE-69BE-402E-A2CE-40E353EE5558}" type="datetimeFigureOut">
               <a:rPr lang="fr-FR" smtClean="0"/>
-              <a:t>15/01/2021</a:t>
+              <a:t>16/01/2021</a:t>
             </a:fld>
             <a:endParaRPr lang="fr-FR"/>
           </a:p>
@@ -866,7 +884,7 @@
           <a:p>
             <a:fld id="{38E7D7AE-69BE-402E-A2CE-40E353EE5558}" type="datetimeFigureOut">
               <a:rPr lang="fr-FR" smtClean="0"/>
-              <a:t>15/01/2021</a:t>
+              <a:t>16/01/2021</a:t>
             </a:fld>
             <a:endParaRPr lang="fr-FR"/>
           </a:p>
@@ -1141,7 +1159,7 @@
           <a:p>
             <a:fld id="{38E7D7AE-69BE-402E-A2CE-40E353EE5558}" type="datetimeFigureOut">
               <a:rPr lang="fr-FR" smtClean="0"/>
-              <a:t>15/01/2021</a:t>
+              <a:t>16/01/2021</a:t>
             </a:fld>
             <a:endParaRPr lang="fr-FR"/>
           </a:p>
@@ -1406,7 +1424,7 @@
           <a:p>
             <a:fld id="{38E7D7AE-69BE-402E-A2CE-40E353EE5558}" type="datetimeFigureOut">
               <a:rPr lang="fr-FR" smtClean="0"/>
-              <a:t>15/01/2021</a:t>
+              <a:t>16/01/2021</a:t>
             </a:fld>
             <a:endParaRPr lang="fr-FR"/>
           </a:p>
@@ -1818,7 +1836,7 @@
           <a:p>
             <a:fld id="{38E7D7AE-69BE-402E-A2CE-40E353EE5558}" type="datetimeFigureOut">
               <a:rPr lang="fr-FR" smtClean="0"/>
-              <a:t>15/01/2021</a:t>
+              <a:t>16/01/2021</a:t>
             </a:fld>
             <a:endParaRPr lang="fr-FR"/>
           </a:p>
@@ -1959,7 +1977,7 @@
           <a:p>
             <a:fld id="{38E7D7AE-69BE-402E-A2CE-40E353EE5558}" type="datetimeFigureOut">
               <a:rPr lang="fr-FR" smtClean="0"/>
-              <a:t>15/01/2021</a:t>
+              <a:t>16/01/2021</a:t>
             </a:fld>
             <a:endParaRPr lang="fr-FR"/>
           </a:p>
@@ -2072,7 +2090,7 @@
           <a:p>
             <a:fld id="{38E7D7AE-69BE-402E-A2CE-40E353EE5558}" type="datetimeFigureOut">
               <a:rPr lang="fr-FR" smtClean="0"/>
-              <a:t>15/01/2021</a:t>
+              <a:t>16/01/2021</a:t>
             </a:fld>
             <a:endParaRPr lang="fr-FR"/>
           </a:p>
@@ -2383,7 +2401,7 @@
           <a:p>
             <a:fld id="{38E7D7AE-69BE-402E-A2CE-40E353EE5558}" type="datetimeFigureOut">
               <a:rPr lang="fr-FR" smtClean="0"/>
-              <a:t>15/01/2021</a:t>
+              <a:t>16/01/2021</a:t>
             </a:fld>
             <a:endParaRPr lang="fr-FR"/>
           </a:p>
@@ -2671,7 +2689,7 @@
           <a:p>
             <a:fld id="{38E7D7AE-69BE-402E-A2CE-40E353EE5558}" type="datetimeFigureOut">
               <a:rPr lang="fr-FR" smtClean="0"/>
-              <a:t>15/01/2021</a:t>
+              <a:t>16/01/2021</a:t>
             </a:fld>
             <a:endParaRPr lang="fr-FR"/>
           </a:p>
@@ -2912,7 +2930,7 @@
           <a:p>
             <a:fld id="{38E7D7AE-69BE-402E-A2CE-40E353EE5558}" type="datetimeFigureOut">
               <a:rPr lang="fr-FR" smtClean="0"/>
-              <a:t>15/01/2021</a:t>
+              <a:t>16/01/2021</a:t>
             </a:fld>
             <a:endParaRPr lang="fr-FR"/>
           </a:p>

--- a/Pitch_01.pptx
+++ b/Pitch_01.pptx
@@ -3380,7 +3380,7 @@
         <p:spPr>
           <a:xfrm>
             <a:off x="0" y="-81023"/>
-            <a:ext cx="12803224" cy="6939023"/>
+            <a:ext cx="12256316" cy="6939023"/>
           </a:xfrm>
           <a:prstGeom prst="rect">
             <a:avLst/>
@@ -3452,7 +3452,7 @@
         </p:blipFill>
         <p:spPr>
           <a:xfrm>
-            <a:off x="4343963" y="2402968"/>
+            <a:off x="4268462" y="2402968"/>
             <a:ext cx="3504071" cy="1971040"/>
           </a:xfrm>
           <a:prstGeom prst="rect">
@@ -3510,7 +3510,7 @@
         </p:nvSpPr>
         <p:spPr>
           <a:xfrm>
-            <a:off x="9931399" y="6230554"/>
+            <a:off x="9547423" y="6230554"/>
             <a:ext cx="2626361" cy="369332"/>
           </a:xfrm>
           <a:prstGeom prst="rect">
@@ -3594,7 +3594,7 @@
         <p:spPr>
           <a:xfrm>
             <a:off x="0" y="-81023"/>
-            <a:ext cx="12803224" cy="6939023"/>
+            <a:ext cx="12264705" cy="6939023"/>
           </a:xfrm>
           <a:prstGeom prst="rect">
             <a:avLst/>
@@ -3633,8 +3633,17 @@
               <a:rPr lang="fr-FR" dirty="0">
                 <a:latin typeface="Futura LT" panose="02000803000000000000" pitchFamily="2" charset="0"/>
               </a:rPr>
-              <a:t>Incarnez un postier au cours des élections présidentielles aux Etats-Unis en 2020. Il faut à tous prix mener les votes au bureau de poste en évitant les obstacles parfois cachés.</a:t>
-            </a:r>
+              <a:t>Incarnez un postier au cours des élections présidentielles aux Etats-Unis en 2020. Il faut à tous prix mener les votes au bureau de poste en évitant </a:t>
+            </a:r>
+            <a:r>
+              <a:rPr lang="fr-FR">
+                <a:latin typeface="Futura LT" panose="02000803000000000000" pitchFamily="2" charset="0"/>
+              </a:rPr>
+              <a:t>les obstacles.</a:t>
+            </a:r>
+            <a:endParaRPr lang="fr-FR" dirty="0">
+              <a:latin typeface="Futura LT" panose="02000803000000000000" pitchFamily="2" charset="0"/>
+            </a:endParaRPr>
           </a:p>
         </p:txBody>
       </p:sp>

--- a/Pitch_01.pptx
+++ b/Pitch_01.pptx
@@ -3615,8 +3615,8 @@
         </p:nvSpPr>
         <p:spPr>
           <a:xfrm>
-            <a:off x="1785936" y="303222"/>
-            <a:ext cx="8620125" cy="923330"/>
+            <a:off x="668336" y="361763"/>
+            <a:ext cx="8620125" cy="1200329"/>
           </a:xfrm>
           <a:prstGeom prst="rect">
             <a:avLst/>
@@ -3633,109 +3633,25 @@
               <a:rPr lang="fr-FR" dirty="0">
                 <a:latin typeface="Futura LT" panose="02000803000000000000" pitchFamily="2" charset="0"/>
               </a:rPr>
-              <a:t>Incarnez un postier au cours des élections présidentielles aux Etats-Unis en 2020. Il faut à tous prix mener les votes au bureau de poste en évitant </a:t>
-            </a:r>
-            <a:r>
-              <a:rPr lang="fr-FR">
+              <a:t>Dans Postal Square le joueur incarne un postier au cours des élections présidentielles aux Etats-Unis en 2020.</a:t>
+            </a:r>
+          </a:p>
+          <a:p>
+            <a:r>
+              <a:rPr lang="fr-FR" dirty="0">
                 <a:latin typeface="Futura LT" panose="02000803000000000000" pitchFamily="2" charset="0"/>
               </a:rPr>
-              <a:t>les obstacles.</a:t>
-            </a:r>
-            <a:endParaRPr lang="fr-FR" dirty="0">
-              <a:latin typeface="Futura LT" panose="02000803000000000000" pitchFamily="2" charset="0"/>
-            </a:endParaRPr>
-          </a:p>
-        </p:txBody>
-      </p:sp>
-      <p:sp>
-        <p:nvSpPr>
-          <p:cNvPr id="11" name="Flèche : droite 10">
-            <a:extLst>
-              <a:ext uri="{FF2B5EF4-FFF2-40B4-BE49-F238E27FC236}">
-                <a16:creationId xmlns:a16="http://schemas.microsoft.com/office/drawing/2014/main" id="{0C5298AF-93C9-429C-AFF0-956E3BF3B8EC}"/>
-              </a:ext>
-            </a:extLst>
-          </p:cNvPr>
-          <p:cNvSpPr/>
-          <p:nvPr/>
-        </p:nvSpPr>
-        <p:spPr>
-          <a:xfrm>
-            <a:off x="2595566" y="1744910"/>
-            <a:ext cx="1048624" cy="234892"/>
-          </a:xfrm>
-          <a:prstGeom prst="rightArrow">
-            <a:avLst/>
-          </a:prstGeom>
-        </p:spPr>
-        <p:style>
-          <a:lnRef idx="2">
-            <a:schemeClr val="accent1">
-              <a:shade val="50000"/>
-            </a:schemeClr>
-          </a:lnRef>
-          <a:fillRef idx="1">
-            <a:schemeClr val="accent1"/>
-          </a:fillRef>
-          <a:effectRef idx="0">
-            <a:schemeClr val="accent1"/>
-          </a:effectRef>
-          <a:fontRef idx="minor">
-            <a:schemeClr val="lt1"/>
-          </a:fontRef>
-        </p:style>
-        <p:txBody>
-          <a:bodyPr rtlCol="0" anchor="ctr"/>
-          <a:lstStyle/>
-          <a:p>
-            <a:pPr algn="ctr"/>
-            <a:endParaRPr lang="fr-FR"/>
-          </a:p>
-        </p:txBody>
-      </p:sp>
-      <p:sp>
-        <p:nvSpPr>
-          <p:cNvPr id="13" name="ZoneTexte 12">
-            <a:extLst>
-              <a:ext uri="{FF2B5EF4-FFF2-40B4-BE49-F238E27FC236}">
-                <a16:creationId xmlns:a16="http://schemas.microsoft.com/office/drawing/2014/main" id="{745205B1-475C-45C4-AC63-1E3C7949F2CE}"/>
-              </a:ext>
-            </a:extLst>
-          </p:cNvPr>
-          <p:cNvSpPr txBox="1"/>
-          <p:nvPr/>
-        </p:nvSpPr>
-        <p:spPr>
-          <a:xfrm>
-            <a:off x="967637" y="1610797"/>
-            <a:ext cx="1745841" cy="400110"/>
-          </a:xfrm>
-          <a:prstGeom prst="rect">
-            <a:avLst/>
-          </a:prstGeom>
-          <a:noFill/>
-        </p:spPr>
-        <p:txBody>
-          <a:bodyPr wrap="square" rtlCol="0">
-            <a:spAutoFit/>
-          </a:bodyPr>
-          <a:lstStyle/>
-          <a:p>
-            <a:r>
-              <a:rPr lang="fr-FR" sz="1000" dirty="0">
-                <a:latin typeface="Futura LT" panose="02000803000000000000" pitchFamily="2" charset="0"/>
-              </a:rPr>
-              <a:t>Nuance en fonction du nombre de pièges</a:t>
+              <a:t>Il faut à tous prix mener les votes au bureau de poste en évitant les obstacles.</a:t>
             </a:r>
           </a:p>
         </p:txBody>
       </p:sp>
       <p:pic>
         <p:nvPicPr>
-          <p:cNvPr id="3" name="Image 2">
-            <a:extLst>
-              <a:ext uri="{FF2B5EF4-FFF2-40B4-BE49-F238E27FC236}">
-                <a16:creationId xmlns:a16="http://schemas.microsoft.com/office/drawing/2014/main" id="{8EC16BA7-AADF-498B-A289-51034EB8372B}"/>
+          <p:cNvPr id="5" name="Image 4">
+            <a:extLst>
+              <a:ext uri="{FF2B5EF4-FFF2-40B4-BE49-F238E27FC236}">
+                <a16:creationId xmlns:a16="http://schemas.microsoft.com/office/drawing/2014/main" id="{51775A57-0B4E-460B-A657-EB1C10925312}"/>
               </a:ext>
             </a:extLst>
           </p:cNvPr>
@@ -3758,8 +3674,80 @@
         </p:blipFill>
         <p:spPr>
           <a:xfrm>
-            <a:off x="3718040" y="1436617"/>
-            <a:ext cx="4829772" cy="4802258"/>
+            <a:off x="4829966" y="1301441"/>
+            <a:ext cx="9339264" cy="5253337"/>
+          </a:xfrm>
+          <a:prstGeom prst="rect">
+            <a:avLst/>
+          </a:prstGeom>
+        </p:spPr>
+      </p:pic>
+      <p:sp>
+        <p:nvSpPr>
+          <p:cNvPr id="8" name="ZoneTexte 7">
+            <a:extLst>
+              <a:ext uri="{FF2B5EF4-FFF2-40B4-BE49-F238E27FC236}">
+                <a16:creationId xmlns:a16="http://schemas.microsoft.com/office/drawing/2014/main" id="{D0601C14-F42C-43C7-AEFC-2C57F9CC34C6}"/>
+              </a:ext>
+            </a:extLst>
+          </p:cNvPr>
+          <p:cNvSpPr txBox="1"/>
+          <p:nvPr/>
+        </p:nvSpPr>
+        <p:spPr>
+          <a:xfrm>
+            <a:off x="7345680" y="1334138"/>
+            <a:ext cx="2383986" cy="307777"/>
+          </a:xfrm>
+          <a:prstGeom prst="rect">
+            <a:avLst/>
+          </a:prstGeom>
+          <a:noFill/>
+        </p:spPr>
+        <p:txBody>
+          <a:bodyPr wrap="none" rtlCol="0">
+            <a:spAutoFit/>
+          </a:bodyPr>
+          <a:lstStyle/>
+          <a:p>
+            <a:r>
+              <a:rPr lang="fr-FR" sz="1400" dirty="0">
+                <a:latin typeface="Futura LT" panose="02000803000000000000" pitchFamily="2" charset="0"/>
+              </a:rPr>
+              <a:t>Niveau 1 : Philadelphie</a:t>
+            </a:r>
+          </a:p>
+        </p:txBody>
+      </p:sp>
+      <p:pic>
+        <p:nvPicPr>
+          <p:cNvPr id="10" name="Image 9">
+            <a:extLst>
+              <a:ext uri="{FF2B5EF4-FFF2-40B4-BE49-F238E27FC236}">
+                <a16:creationId xmlns:a16="http://schemas.microsoft.com/office/drawing/2014/main" id="{7EA528A8-B4B0-43C2-83A3-56FEDA0ADAE5}"/>
+              </a:ext>
+            </a:extLst>
+          </p:cNvPr>
+          <p:cNvPicPr>
+            <a:picLocks noChangeAspect="1"/>
+          </p:cNvPicPr>
+          <p:nvPr/>
+        </p:nvPicPr>
+        <p:blipFill rotWithShape="1">
+          <a:blip r:embed="rId4">
+            <a:extLst>
+              <a:ext uri="{28A0092B-C50C-407E-A947-70E740481C1C}">
+                <a14:useLocalDpi xmlns:a14="http://schemas.microsoft.com/office/drawing/2010/main" val="0"/>
+              </a:ext>
+            </a:extLst>
+          </a:blip>
+          <a:srcRect b="8296"/>
+          <a:stretch/>
+        </p:blipFill>
+        <p:spPr>
+          <a:xfrm>
+            <a:off x="7514696" y="1592210"/>
+            <a:ext cx="482149" cy="477520"/>
           </a:xfrm>
           <a:prstGeom prst="rect">
             <a:avLst/>
